--- a/2022/slides/EEKE2022_paper_17_slides.pptx
+++ b/2022/slides/EEKE2022_paper_17_slides.pptx
@@ -210,7 +210,7 @@
           <a:p>
             <a:fld id="{4F424116-E131-415E-A7DA-F83B54DE008C}" type="datetimeFigureOut">
               <a:rPr lang="zh-CN" altLang="en-US" smtClean="0"/>
-              <a:t>2022/6/21</a:t>
+              <a:t>2022/6/24</a:t>
             </a:fld>
             <a:endParaRPr lang="zh-CN" altLang="en-US"/>
           </a:p>
@@ -521,7 +521,7 @@
           <a:bodyPr/>
           <a:lstStyle/>
           <a:p>
-            <a:endParaRPr lang="en-NL"/>
+            <a:endParaRPr lang="x-none"/>
           </a:p>
         </p:txBody>
       </p:sp>
@@ -941,7 +941,7 @@
           <a:bodyPr/>
           <a:lstStyle/>
           <a:p>
-            <a:endParaRPr lang="en-NL"/>
+            <a:endParaRPr lang="x-none"/>
           </a:p>
         </p:txBody>
       </p:sp>
@@ -1787,7 +1787,7 @@
           <a:p>
             <a:fld id="{D6114BC1-13DC-4C81-A035-8168F2F4B966}" type="datetimeFigureOut">
               <a:rPr lang="zh-CN" altLang="en-US" smtClean="0"/>
-              <a:t>2022/6/21</a:t>
+              <a:t>2022/6/24</a:t>
             </a:fld>
             <a:endParaRPr lang="zh-CN" altLang="en-US"/>
           </a:p>
@@ -1840,7 +1840,7 @@
           <p:cNvPr id="10" name="直接连接符 9">
             <a:extLst>
               <a:ext uri="{FF2B5EF4-FFF2-40B4-BE49-F238E27FC236}">
-                <a16:creationId xmlns:a16="http://schemas.microsoft.com/office/drawing/2014/main" id="{F9D74AEC-220C-4B60-B622-E71430FD4078}"/>
+                <a16:creationId xmlns:a16="http://schemas.microsoft.com/office/drawing/2014/main" xmlns="" id="{F9D74AEC-220C-4B60-B622-E71430FD4078}"/>
               </a:ext>
             </a:extLst>
           </p:cNvPr>
@@ -1885,7 +1885,7 @@
           <p:cNvPr id="13" name="标题 1">
             <a:extLst>
               <a:ext uri="{FF2B5EF4-FFF2-40B4-BE49-F238E27FC236}">
-                <a16:creationId xmlns:a16="http://schemas.microsoft.com/office/drawing/2014/main" id="{360D4DCF-CE05-4E76-8626-AA4B40920DFD}"/>
+                <a16:creationId xmlns:a16="http://schemas.microsoft.com/office/drawing/2014/main" xmlns="" id="{360D4DCF-CE05-4E76-8626-AA4B40920DFD}"/>
               </a:ext>
             </a:extLst>
           </p:cNvPr>
@@ -2055,7 +2055,7 @@
           <a:p>
             <a:fld id="{D6114BC1-13DC-4C81-A035-8168F2F4B966}" type="datetimeFigureOut">
               <a:rPr lang="zh-CN" altLang="en-US" smtClean="0"/>
-              <a:t>2022/6/21</a:t>
+              <a:t>2022/6/24</a:t>
             </a:fld>
             <a:endParaRPr lang="zh-CN" altLang="en-US"/>
           </a:p>
@@ -2233,7 +2233,7 @@
           <a:p>
             <a:fld id="{D6114BC1-13DC-4C81-A035-8168F2F4B966}" type="datetimeFigureOut">
               <a:rPr lang="zh-CN" altLang="en-US" smtClean="0"/>
-              <a:t>2022/6/21</a:t>
+              <a:t>2022/6/24</a:t>
             </a:fld>
             <a:endParaRPr lang="zh-CN" altLang="en-US"/>
           </a:p>
@@ -2401,7 +2401,7 @@
           <a:p>
             <a:fld id="{D6114BC1-13DC-4C81-A035-8168F2F4B966}" type="datetimeFigureOut">
               <a:rPr lang="zh-CN" altLang="en-US" smtClean="0"/>
-              <a:t>2022/6/21</a:t>
+              <a:t>2022/6/24</a:t>
             </a:fld>
             <a:endParaRPr lang="zh-CN" altLang="en-US"/>
           </a:p>
@@ -2646,7 +2646,7 @@
           <a:p>
             <a:fld id="{D6114BC1-13DC-4C81-A035-8168F2F4B966}" type="datetimeFigureOut">
               <a:rPr lang="zh-CN" altLang="en-US" smtClean="0"/>
-              <a:t>2022/6/21</a:t>
+              <a:t>2022/6/24</a:t>
             </a:fld>
             <a:endParaRPr lang="zh-CN" altLang="en-US"/>
           </a:p>
@@ -2875,7 +2875,7 @@
           <a:p>
             <a:fld id="{D6114BC1-13DC-4C81-A035-8168F2F4B966}" type="datetimeFigureOut">
               <a:rPr lang="zh-CN" altLang="en-US" smtClean="0"/>
-              <a:t>2022/6/21</a:t>
+              <a:t>2022/6/24</a:t>
             </a:fld>
             <a:endParaRPr lang="zh-CN" altLang="en-US"/>
           </a:p>
@@ -3239,7 +3239,7 @@
           <a:p>
             <a:fld id="{D6114BC1-13DC-4C81-A035-8168F2F4B966}" type="datetimeFigureOut">
               <a:rPr lang="zh-CN" altLang="en-US" smtClean="0"/>
-              <a:t>2022/6/21</a:t>
+              <a:t>2022/6/24</a:t>
             </a:fld>
             <a:endParaRPr lang="zh-CN" altLang="en-US"/>
           </a:p>
@@ -3356,7 +3356,7 @@
           <a:p>
             <a:fld id="{D6114BC1-13DC-4C81-A035-8168F2F4B966}" type="datetimeFigureOut">
               <a:rPr lang="zh-CN" altLang="en-US" smtClean="0"/>
-              <a:t>2022/6/21</a:t>
+              <a:t>2022/6/24</a:t>
             </a:fld>
             <a:endParaRPr lang="zh-CN" altLang="en-US"/>
           </a:p>
@@ -3451,7 +3451,7 @@
           <a:p>
             <a:fld id="{D6114BC1-13DC-4C81-A035-8168F2F4B966}" type="datetimeFigureOut">
               <a:rPr lang="zh-CN" altLang="en-US" smtClean="0"/>
-              <a:t>2022/6/21</a:t>
+              <a:t>2022/6/24</a:t>
             </a:fld>
             <a:endParaRPr lang="zh-CN" altLang="en-US"/>
           </a:p>
@@ -3726,7 +3726,7 @@
           <a:p>
             <a:fld id="{D6114BC1-13DC-4C81-A035-8168F2F4B966}" type="datetimeFigureOut">
               <a:rPr lang="zh-CN" altLang="en-US" smtClean="0"/>
-              <a:t>2022/6/21</a:t>
+              <a:t>2022/6/24</a:t>
             </a:fld>
             <a:endParaRPr lang="zh-CN" altLang="en-US"/>
           </a:p>
@@ -3978,7 +3978,7 @@
           <a:p>
             <a:fld id="{D6114BC1-13DC-4C81-A035-8168F2F4B966}" type="datetimeFigureOut">
               <a:rPr lang="zh-CN" altLang="en-US" smtClean="0"/>
-              <a:t>2022/6/21</a:t>
+              <a:t>2022/6/24</a:t>
             </a:fld>
             <a:endParaRPr lang="zh-CN" altLang="en-US"/>
           </a:p>
@@ -4192,7 +4192,7 @@
           <a:p>
             <a:fld id="{D6114BC1-13DC-4C81-A035-8168F2F4B966}" type="datetimeFigureOut">
               <a:rPr lang="zh-CN" altLang="en-US" smtClean="0"/>
-              <a:t>2022/6/21</a:t>
+              <a:t>2022/6/24</a:t>
             </a:fld>
             <a:endParaRPr lang="zh-CN" altLang="en-US"/>
           </a:p>
@@ -4626,7 +4626,7 @@
           <p:cNvPr id="4" name="标题 1">
             <a:extLst>
               <a:ext uri="{FF2B5EF4-FFF2-40B4-BE49-F238E27FC236}">
-                <a16:creationId xmlns:a16="http://schemas.microsoft.com/office/drawing/2014/main" id="{9A6E5EAF-C43F-4F6D-B4E1-707727FC346F}"/>
+                <a16:creationId xmlns:a16="http://schemas.microsoft.com/office/drawing/2014/main" xmlns="" id="{9A6E5EAF-C43F-4F6D-B4E1-707727FC346F}"/>
               </a:ext>
             </a:extLst>
           </p:cNvPr>
@@ -4698,7 +4698,7 @@
           <p:cNvPr id="5" name="副标题 2">
             <a:extLst>
               <a:ext uri="{FF2B5EF4-FFF2-40B4-BE49-F238E27FC236}">
-                <a16:creationId xmlns:a16="http://schemas.microsoft.com/office/drawing/2014/main" id="{DA429117-8570-482B-902E-2189F11AC577}"/>
+                <a16:creationId xmlns:a16="http://schemas.microsoft.com/office/drawing/2014/main" xmlns="" id="{DA429117-8570-482B-902E-2189F11AC577}"/>
               </a:ext>
             </a:extLst>
           </p:cNvPr>
@@ -5031,7 +5031,7 @@
           <p:cNvPr id="2" name="标题 1">
             <a:extLst>
               <a:ext uri="{FF2B5EF4-FFF2-40B4-BE49-F238E27FC236}">
-                <a16:creationId xmlns:a16="http://schemas.microsoft.com/office/drawing/2014/main" id="{21270181-301E-42D5-9F99-05B341781979}"/>
+                <a16:creationId xmlns:a16="http://schemas.microsoft.com/office/drawing/2014/main" xmlns="" id="{21270181-301E-42D5-9F99-05B341781979}"/>
               </a:ext>
             </a:extLst>
           </p:cNvPr>
@@ -5060,7 +5060,7 @@
           <p:cNvPr id="15" name="Rectangle 14">
             <a:extLst>
               <a:ext uri="{FF2B5EF4-FFF2-40B4-BE49-F238E27FC236}">
-                <a16:creationId xmlns:a16="http://schemas.microsoft.com/office/drawing/2014/main" id="{9BF3EDA7-40DD-4E4B-8663-6E1EB734E1AE}"/>
+                <a16:creationId xmlns:a16="http://schemas.microsoft.com/office/drawing/2014/main" xmlns="" id="{9BF3EDA7-40DD-4E4B-8663-6E1EB734E1AE}"/>
               </a:ext>
             </a:extLst>
           </p:cNvPr>
@@ -5089,7 +5089,7 @@
               </a:rPr>
               <a:t>Experiment Results on Pseudo Labeled Dataset</a:t>
             </a:r>
-            <a:endParaRPr lang="en-NL" sz="2000" b="1" dirty="0">
+            <a:endParaRPr lang="x-none" sz="2000" b="1" dirty="0">
               <a:latin typeface="Times New Roman" panose="02020603050405020304" pitchFamily="18" charset="0"/>
               <a:cs typeface="Times New Roman" panose="02020603050405020304" pitchFamily="18" charset="0"/>
             </a:endParaRPr>
@@ -5101,7 +5101,7 @@
           <p:cNvPr id="4" name="Group 3">
             <a:extLst>
               <a:ext uri="{FF2B5EF4-FFF2-40B4-BE49-F238E27FC236}">
-                <a16:creationId xmlns:a16="http://schemas.microsoft.com/office/drawing/2014/main" id="{EBC4F2CA-6A28-7C40-9115-B8B75A9CC191}"/>
+                <a16:creationId xmlns:a16="http://schemas.microsoft.com/office/drawing/2014/main" xmlns="" id="{EBC4F2CA-6A28-7C40-9115-B8B75A9CC191}"/>
               </a:ext>
             </a:extLst>
           </p:cNvPr>
@@ -5121,7 +5121,7 @@
             <p:cNvPr id="11" name="Picture 10">
               <a:extLst>
                 <a:ext uri="{FF2B5EF4-FFF2-40B4-BE49-F238E27FC236}">
-                  <a16:creationId xmlns:a16="http://schemas.microsoft.com/office/drawing/2014/main" id="{2B8EEA45-B91B-A444-A51C-71AA5883C928}"/>
+                  <a16:creationId xmlns:a16="http://schemas.microsoft.com/office/drawing/2014/main" xmlns="" id="{2B8EEA45-B91B-A444-A51C-71AA5883C928}"/>
                 </a:ext>
               </a:extLst>
             </p:cNvPr>
@@ -5157,7 +5157,7 @@
             <p:cNvPr id="9" name="文本框 9">
               <a:extLst>
                 <a:ext uri="{FF2B5EF4-FFF2-40B4-BE49-F238E27FC236}">
-                  <a16:creationId xmlns:a16="http://schemas.microsoft.com/office/drawing/2014/main" id="{8A3DFBB5-43D9-4248-A938-04CCC3DEA486}"/>
+                  <a16:creationId xmlns:a16="http://schemas.microsoft.com/office/drawing/2014/main" xmlns="" id="{8A3DFBB5-43D9-4248-A938-04CCC3DEA486}"/>
                 </a:ext>
               </a:extLst>
             </p:cNvPr>
@@ -5208,7 +5208,7 @@
             <p:cNvPr id="17" name="矩形 11">
               <a:extLst>
                 <a:ext uri="{FF2B5EF4-FFF2-40B4-BE49-F238E27FC236}">
-                  <a16:creationId xmlns:a16="http://schemas.microsoft.com/office/drawing/2014/main" id="{342AA3A1-77BE-EC42-A01C-45284931609F}"/>
+                  <a16:creationId xmlns:a16="http://schemas.microsoft.com/office/drawing/2014/main" xmlns="" id="{342AA3A1-77BE-EC42-A01C-45284931609F}"/>
                 </a:ext>
               </a:extLst>
             </p:cNvPr>
@@ -5260,7 +5260,7 @@
             <p:cNvPr id="19" name="文本框 9">
               <a:extLst>
                 <a:ext uri="{FF2B5EF4-FFF2-40B4-BE49-F238E27FC236}">
-                  <a16:creationId xmlns:a16="http://schemas.microsoft.com/office/drawing/2014/main" id="{BDAF12B4-15A6-D34C-BA6F-BD39F72F1E28}"/>
+                  <a16:creationId xmlns:a16="http://schemas.microsoft.com/office/drawing/2014/main" xmlns="" id="{BDAF12B4-15A6-D34C-BA6F-BD39F72F1E28}"/>
                 </a:ext>
               </a:extLst>
             </p:cNvPr>
@@ -5311,7 +5311,7 @@
             <p:cNvPr id="20" name="矩形 11">
               <a:extLst>
                 <a:ext uri="{FF2B5EF4-FFF2-40B4-BE49-F238E27FC236}">
-                  <a16:creationId xmlns:a16="http://schemas.microsoft.com/office/drawing/2014/main" id="{CA31D7A1-9F18-9C4A-8AF1-01DE3137A148}"/>
+                  <a16:creationId xmlns:a16="http://schemas.microsoft.com/office/drawing/2014/main" xmlns="" id="{CA31D7A1-9F18-9C4A-8AF1-01DE3137A148}"/>
                 </a:ext>
               </a:extLst>
             </p:cNvPr>
@@ -5364,7 +5364,7 @@
           <p:cNvPr id="21" name="Rectangle 20">
             <a:extLst>
               <a:ext uri="{FF2B5EF4-FFF2-40B4-BE49-F238E27FC236}">
-                <a16:creationId xmlns:a16="http://schemas.microsoft.com/office/drawing/2014/main" id="{8F647599-2E3B-454D-A223-055AEACDCD8F}"/>
+                <a16:creationId xmlns:a16="http://schemas.microsoft.com/office/drawing/2014/main" xmlns="" id="{8F647599-2E3B-454D-A223-055AEACDCD8F}"/>
               </a:ext>
             </a:extLst>
           </p:cNvPr>
@@ -5474,7 +5474,7 @@
           <p:cNvPr id="2" name="标题 1">
             <a:extLst>
               <a:ext uri="{FF2B5EF4-FFF2-40B4-BE49-F238E27FC236}">
-                <a16:creationId xmlns:a16="http://schemas.microsoft.com/office/drawing/2014/main" id="{21270181-301E-42D5-9F99-05B341781979}"/>
+                <a16:creationId xmlns:a16="http://schemas.microsoft.com/office/drawing/2014/main" xmlns="" id="{21270181-301E-42D5-9F99-05B341781979}"/>
               </a:ext>
             </a:extLst>
           </p:cNvPr>
@@ -5503,7 +5503,7 @@
           <p:cNvPr id="3" name="Rectangle 2">
             <a:extLst>
               <a:ext uri="{FF2B5EF4-FFF2-40B4-BE49-F238E27FC236}">
-                <a16:creationId xmlns:a16="http://schemas.microsoft.com/office/drawing/2014/main" id="{AEA12E32-9294-8748-A95F-7F91C842FBD8}"/>
+                <a16:creationId xmlns:a16="http://schemas.microsoft.com/office/drawing/2014/main" xmlns="" id="{AEA12E32-9294-8748-A95F-7F91C842FBD8}"/>
               </a:ext>
             </a:extLst>
           </p:cNvPr>
@@ -5554,7 +5554,7 @@
           <p:cNvPr id="29" name="Group 28">
             <a:extLst>
               <a:ext uri="{FF2B5EF4-FFF2-40B4-BE49-F238E27FC236}">
-                <a16:creationId xmlns:a16="http://schemas.microsoft.com/office/drawing/2014/main" id="{E13EE350-7CC3-9844-9D71-1636124CC19C}"/>
+                <a16:creationId xmlns:a16="http://schemas.microsoft.com/office/drawing/2014/main" xmlns="" id="{E13EE350-7CC3-9844-9D71-1636124CC19C}"/>
               </a:ext>
             </a:extLst>
           </p:cNvPr>
@@ -5574,7 +5574,7 @@
             <p:cNvPr id="27" name="Rectangle 26">
               <a:extLst>
                 <a:ext uri="{FF2B5EF4-FFF2-40B4-BE49-F238E27FC236}">
-                  <a16:creationId xmlns:a16="http://schemas.microsoft.com/office/drawing/2014/main" id="{7D3AF343-F264-9941-9B66-4E52465BFAEA}"/>
+                  <a16:creationId xmlns:a16="http://schemas.microsoft.com/office/drawing/2014/main" xmlns="" id="{7D3AF343-F264-9941-9B66-4E52465BFAEA}"/>
                 </a:ext>
               </a:extLst>
             </p:cNvPr>
@@ -5619,7 +5619,7 @@
             <a:lstStyle/>
             <a:p>
               <a:pPr algn="ctr"/>
-              <a:endParaRPr lang="en-NL"/>
+              <a:endParaRPr lang="x-none"/>
             </a:p>
           </p:txBody>
         </p:sp>
@@ -5628,7 +5628,7 @@
             <p:cNvPr id="28" name="Rectangle 27">
               <a:extLst>
                 <a:ext uri="{FF2B5EF4-FFF2-40B4-BE49-F238E27FC236}">
-                  <a16:creationId xmlns:a16="http://schemas.microsoft.com/office/drawing/2014/main" id="{B35091E3-C64B-044A-B735-2F4297380F3D}"/>
+                  <a16:creationId xmlns:a16="http://schemas.microsoft.com/office/drawing/2014/main" xmlns="" id="{B35091E3-C64B-044A-B735-2F4297380F3D}"/>
                 </a:ext>
               </a:extLst>
             </p:cNvPr>
@@ -5673,7 +5673,7 @@
             <a:lstStyle/>
             <a:p>
               <a:pPr algn="ctr"/>
-              <a:endParaRPr lang="en-NL"/>
+              <a:endParaRPr lang="x-none"/>
             </a:p>
           </p:txBody>
         </p:sp>
@@ -5683,7 +5683,7 @@
           <p:cNvPr id="35" name="Rectangle 34">
             <a:extLst>
               <a:ext uri="{FF2B5EF4-FFF2-40B4-BE49-F238E27FC236}">
-                <a16:creationId xmlns:a16="http://schemas.microsoft.com/office/drawing/2014/main" id="{E6D0DCB8-CE3A-7945-8749-BE2E33B0F6F4}"/>
+                <a16:creationId xmlns:a16="http://schemas.microsoft.com/office/drawing/2014/main" xmlns="" id="{E6D0DCB8-CE3A-7945-8749-BE2E33B0F6F4}"/>
               </a:ext>
             </a:extLst>
           </p:cNvPr>
@@ -5728,7 +5728,7 @@
           <a:lstStyle/>
           <a:p>
             <a:pPr algn="ctr"/>
-            <a:endParaRPr lang="en-NL"/>
+            <a:endParaRPr lang="x-none"/>
           </a:p>
         </p:txBody>
       </p:sp>
@@ -5737,7 +5737,7 @@
           <p:cNvPr id="5" name="Picture 4">
             <a:extLst>
               <a:ext uri="{FF2B5EF4-FFF2-40B4-BE49-F238E27FC236}">
-                <a16:creationId xmlns:a16="http://schemas.microsoft.com/office/drawing/2014/main" id="{2355C34C-7E0D-2442-B0A8-3ED497084142}"/>
+                <a16:creationId xmlns:a16="http://schemas.microsoft.com/office/drawing/2014/main" xmlns="" id="{2355C34C-7E0D-2442-B0A8-3ED497084142}"/>
               </a:ext>
             </a:extLst>
           </p:cNvPr>
@@ -5773,7 +5773,7 @@
           <p:cNvPr id="12" name="组合 3">
             <a:extLst>
               <a:ext uri="{FF2B5EF4-FFF2-40B4-BE49-F238E27FC236}">
-                <a16:creationId xmlns:a16="http://schemas.microsoft.com/office/drawing/2014/main" id="{5E5D05B5-F90B-F143-A4D0-A35C1040E408}"/>
+                <a16:creationId xmlns:a16="http://schemas.microsoft.com/office/drawing/2014/main" xmlns="" id="{5E5D05B5-F90B-F143-A4D0-A35C1040E408}"/>
               </a:ext>
             </a:extLst>
           </p:cNvPr>
@@ -5793,7 +5793,7 @@
             <p:cNvPr id="13" name="矩形 9">
               <a:extLst>
                 <a:ext uri="{FF2B5EF4-FFF2-40B4-BE49-F238E27FC236}">
-                  <a16:creationId xmlns:a16="http://schemas.microsoft.com/office/drawing/2014/main" id="{2A60E886-BF51-4447-8E64-2BBE3EE881DD}"/>
+                  <a16:creationId xmlns:a16="http://schemas.microsoft.com/office/drawing/2014/main" xmlns="" id="{2A60E886-BF51-4447-8E64-2BBE3EE881DD}"/>
                 </a:ext>
               </a:extLst>
             </p:cNvPr>
@@ -5853,7 +5853,7 @@
             <p:cNvPr id="14" name="矩形 12">
               <a:extLst>
                 <a:ext uri="{FF2B5EF4-FFF2-40B4-BE49-F238E27FC236}">
-                  <a16:creationId xmlns:a16="http://schemas.microsoft.com/office/drawing/2014/main" id="{A73EA9F2-CA13-6343-9FB9-AA325FEBF4FE}"/>
+                  <a16:creationId xmlns:a16="http://schemas.microsoft.com/office/drawing/2014/main" xmlns="" id="{A73EA9F2-CA13-6343-9FB9-AA325FEBF4FE}"/>
                 </a:ext>
               </a:extLst>
             </p:cNvPr>
@@ -5892,7 +5892,7 @@
           <p:cNvPr id="15" name="组合 4">
             <a:extLst>
               <a:ext uri="{FF2B5EF4-FFF2-40B4-BE49-F238E27FC236}">
-                <a16:creationId xmlns:a16="http://schemas.microsoft.com/office/drawing/2014/main" id="{B38E51BD-25AF-BB41-BB59-C113CB857BBD}"/>
+                <a16:creationId xmlns:a16="http://schemas.microsoft.com/office/drawing/2014/main" xmlns="" id="{B38E51BD-25AF-BB41-BB59-C113CB857BBD}"/>
               </a:ext>
             </a:extLst>
           </p:cNvPr>
@@ -5912,7 +5912,7 @@
             <p:cNvPr id="16" name="矩形 10">
               <a:extLst>
                 <a:ext uri="{FF2B5EF4-FFF2-40B4-BE49-F238E27FC236}">
-                  <a16:creationId xmlns:a16="http://schemas.microsoft.com/office/drawing/2014/main" id="{514CC8D1-1246-124E-BED2-3384143B65F5}"/>
+                  <a16:creationId xmlns:a16="http://schemas.microsoft.com/office/drawing/2014/main" xmlns="" id="{514CC8D1-1246-124E-BED2-3384143B65F5}"/>
                 </a:ext>
               </a:extLst>
             </p:cNvPr>
@@ -5974,7 +5974,7 @@
             <p:cNvPr id="17" name="矩形 13">
               <a:extLst>
                 <a:ext uri="{FF2B5EF4-FFF2-40B4-BE49-F238E27FC236}">
-                  <a16:creationId xmlns:a16="http://schemas.microsoft.com/office/drawing/2014/main" id="{14A69119-6F93-184A-8250-43F6D483E3E6}"/>
+                  <a16:creationId xmlns:a16="http://schemas.microsoft.com/office/drawing/2014/main" xmlns="" id="{14A69119-6F93-184A-8250-43F6D483E3E6}"/>
                 </a:ext>
               </a:extLst>
             </p:cNvPr>
@@ -6013,7 +6013,7 @@
           <p:cNvPr id="18" name="组合 2">
             <a:extLst>
               <a:ext uri="{FF2B5EF4-FFF2-40B4-BE49-F238E27FC236}">
-                <a16:creationId xmlns:a16="http://schemas.microsoft.com/office/drawing/2014/main" id="{4991FB79-810B-B64B-AEEE-E9CFF128C39E}"/>
+                <a16:creationId xmlns:a16="http://schemas.microsoft.com/office/drawing/2014/main" xmlns="" id="{4991FB79-810B-B64B-AEEE-E9CFF128C39E}"/>
               </a:ext>
             </a:extLst>
           </p:cNvPr>
@@ -6033,7 +6033,7 @@
             <p:cNvPr id="19" name="矩形 8">
               <a:extLst>
                 <a:ext uri="{FF2B5EF4-FFF2-40B4-BE49-F238E27FC236}">
-                  <a16:creationId xmlns:a16="http://schemas.microsoft.com/office/drawing/2014/main" id="{3E7298E9-45AB-C24A-827B-159C44BFEFF2}"/>
+                  <a16:creationId xmlns:a16="http://schemas.microsoft.com/office/drawing/2014/main" xmlns="" id="{3E7298E9-45AB-C24A-827B-159C44BFEFF2}"/>
                 </a:ext>
               </a:extLst>
             </p:cNvPr>
@@ -6095,7 +6095,7 @@
             <p:cNvPr id="20" name="矩形 11">
               <a:extLst>
                 <a:ext uri="{FF2B5EF4-FFF2-40B4-BE49-F238E27FC236}">
-                  <a16:creationId xmlns:a16="http://schemas.microsoft.com/office/drawing/2014/main" id="{9F3422DC-2B31-8E45-8DC1-5B7B1ADFA6F9}"/>
+                  <a16:creationId xmlns:a16="http://schemas.microsoft.com/office/drawing/2014/main" xmlns="" id="{9F3422DC-2B31-8E45-8DC1-5B7B1ADFA6F9}"/>
                 </a:ext>
               </a:extLst>
             </p:cNvPr>
@@ -6134,7 +6134,7 @@
           <p:cNvPr id="7" name="Rectangle 6">
             <a:extLst>
               <a:ext uri="{FF2B5EF4-FFF2-40B4-BE49-F238E27FC236}">
-                <a16:creationId xmlns:a16="http://schemas.microsoft.com/office/drawing/2014/main" id="{9F1E48E5-6535-FD47-B557-D45AAAE55B71}"/>
+                <a16:creationId xmlns:a16="http://schemas.microsoft.com/office/drawing/2014/main" xmlns="" id="{9F1E48E5-6535-FD47-B557-D45AAAE55B71}"/>
               </a:ext>
             </a:extLst>
           </p:cNvPr>
@@ -6177,7 +6177,7 @@
               </a:rPr>
               <a:t>/NER_MED_CN</a:t>
             </a:r>
-            <a:endParaRPr lang="en-NL" sz="2000" b="1" dirty="0">
+            <a:endParaRPr lang="x-none" sz="2000" b="1" dirty="0">
               <a:latin typeface="Times New Roman" panose="02020603050405020304" pitchFamily="18" charset="0"/>
               <a:cs typeface="Times New Roman" panose="02020603050405020304" pitchFamily="18" charset="0"/>
             </a:endParaRPr>
@@ -6392,7 +6392,7 @@
           <p:cNvPr id="2" name="标题 1">
             <a:extLst>
               <a:ext uri="{FF2B5EF4-FFF2-40B4-BE49-F238E27FC236}">
-                <a16:creationId xmlns:a16="http://schemas.microsoft.com/office/drawing/2014/main" id="{21270181-301E-42D5-9F99-05B341781979}"/>
+                <a16:creationId xmlns:a16="http://schemas.microsoft.com/office/drawing/2014/main" xmlns="" id="{21270181-301E-42D5-9F99-05B341781979}"/>
               </a:ext>
             </a:extLst>
           </p:cNvPr>
@@ -6421,7 +6421,7 @@
           <p:cNvPr id="7" name="文本框 6">
             <a:extLst>
               <a:ext uri="{FF2B5EF4-FFF2-40B4-BE49-F238E27FC236}">
-                <a16:creationId xmlns:a16="http://schemas.microsoft.com/office/drawing/2014/main" id="{E23DB7A3-532C-4C91-8801-4FB030DA94CF}"/>
+                <a16:creationId xmlns:a16="http://schemas.microsoft.com/office/drawing/2014/main" xmlns="" id="{E23DB7A3-532C-4C91-8801-4FB030DA94CF}"/>
               </a:ext>
             </a:extLst>
           </p:cNvPr>
@@ -7055,7 +7055,7 @@
           <p:cNvPr id="6" name="图片 5">
             <a:extLst>
               <a:ext uri="{FF2B5EF4-FFF2-40B4-BE49-F238E27FC236}">
-                <a16:creationId xmlns:a16="http://schemas.microsoft.com/office/drawing/2014/main" id="{470F4062-4911-4C2F-B052-B04DEE7139CB}"/>
+                <a16:creationId xmlns:a16="http://schemas.microsoft.com/office/drawing/2014/main" xmlns="" id="{470F4062-4911-4C2F-B052-B04DEE7139CB}"/>
               </a:ext>
             </a:extLst>
           </p:cNvPr>
@@ -7166,7 +7166,7 @@
           <p:cNvPr id="5" name="Picture 4">
             <a:extLst>
               <a:ext uri="{FF2B5EF4-FFF2-40B4-BE49-F238E27FC236}">
-                <a16:creationId xmlns:a16="http://schemas.microsoft.com/office/drawing/2014/main" id="{72E12485-ADE6-4542-B1D0-0B1D6A2C336B}"/>
+                <a16:creationId xmlns:a16="http://schemas.microsoft.com/office/drawing/2014/main" xmlns="" id="{72E12485-ADE6-4542-B1D0-0B1D6A2C336B}"/>
               </a:ext>
             </a:extLst>
           </p:cNvPr>
@@ -7276,7 +7276,7 @@
           <p:cNvPr id="6" name="文本框 5">
             <a:extLst>
               <a:ext uri="{FF2B5EF4-FFF2-40B4-BE49-F238E27FC236}">
-                <a16:creationId xmlns:a16="http://schemas.microsoft.com/office/drawing/2014/main" id="{335A8472-2408-4D7A-A8A5-41EC7978BB25}"/>
+                <a16:creationId xmlns:a16="http://schemas.microsoft.com/office/drawing/2014/main" xmlns="" id="{335A8472-2408-4D7A-A8A5-41EC7978BB25}"/>
               </a:ext>
             </a:extLst>
           </p:cNvPr>
@@ -7416,7 +7416,7 @@
           <p:cNvPr id="13" name="文本框 12">
             <a:extLst>
               <a:ext uri="{FF2B5EF4-FFF2-40B4-BE49-F238E27FC236}">
-                <a16:creationId xmlns:a16="http://schemas.microsoft.com/office/drawing/2014/main" id="{6C05FF1F-5916-4C29-991A-7BFE5E71A9F0}"/>
+                <a16:creationId xmlns:a16="http://schemas.microsoft.com/office/drawing/2014/main" xmlns="" id="{6C05FF1F-5916-4C29-991A-7BFE5E71A9F0}"/>
               </a:ext>
             </a:extLst>
           </p:cNvPr>
@@ -7467,7 +7467,7 @@
           <p:cNvPr id="21" name="Group 20">
             <a:extLst>
               <a:ext uri="{FF2B5EF4-FFF2-40B4-BE49-F238E27FC236}">
-                <a16:creationId xmlns:a16="http://schemas.microsoft.com/office/drawing/2014/main" id="{DD981DCC-45D6-5B42-96BC-FA7D4B53AEF9}"/>
+                <a16:creationId xmlns:a16="http://schemas.microsoft.com/office/drawing/2014/main" xmlns="" id="{DD981DCC-45D6-5B42-96BC-FA7D4B53AEF9}"/>
               </a:ext>
             </a:extLst>
           </p:cNvPr>
@@ -7487,10 +7487,10 @@
             <p:cNvPr id="14" name="Picture 13">
               <a:extLst>
                 <a:ext uri="{FF2B5EF4-FFF2-40B4-BE49-F238E27FC236}">
-                  <a16:creationId xmlns:a16="http://schemas.microsoft.com/office/drawing/2014/main" id="{EB5FDDC1-6379-B947-BC1C-6CB3DB88FC85}"/>
+                  <a16:creationId xmlns:a16="http://schemas.microsoft.com/office/drawing/2014/main" xmlns="" id="{EB5FDDC1-6379-B947-BC1C-6CB3DB88FC85}"/>
                 </a:ext>
                 <a:ext uri="{C183D7F6-B498-43B3-948B-1728B52AA6E4}">
-                  <adec:decorative xmlns:adec="http://schemas.microsoft.com/office/drawing/2017/decorative" val="1"/>
+                  <adec:decorative xmlns:adec="http://schemas.microsoft.com/office/drawing/2017/decorative" xmlns="" val="1"/>
                 </a:ext>
               </a:extLst>
             </p:cNvPr>
@@ -7526,7 +7526,7 @@
             <p:cNvPr id="22" name="矩形 21">
               <a:extLst>
                 <a:ext uri="{FF2B5EF4-FFF2-40B4-BE49-F238E27FC236}">
-                  <a16:creationId xmlns:a16="http://schemas.microsoft.com/office/drawing/2014/main" id="{3AD56F5D-6E32-4AA8-875E-BB22203C2EF3}"/>
+                  <a16:creationId xmlns:a16="http://schemas.microsoft.com/office/drawing/2014/main" xmlns="" id="{3AD56F5D-6E32-4AA8-875E-BB22203C2EF3}"/>
                 </a:ext>
               </a:extLst>
             </p:cNvPr>
@@ -7620,7 +7620,7 @@
           <p:cNvPr id="15" name="Picture 14">
             <a:extLst>
               <a:ext uri="{FF2B5EF4-FFF2-40B4-BE49-F238E27FC236}">
-                <a16:creationId xmlns:a16="http://schemas.microsoft.com/office/drawing/2014/main" id="{8A4F18A0-C10A-3444-8A4B-13ED4DAED576}"/>
+                <a16:creationId xmlns:a16="http://schemas.microsoft.com/office/drawing/2014/main" xmlns="" id="{8A4F18A0-C10A-3444-8A4B-13ED4DAED576}"/>
               </a:ext>
             </a:extLst>
           </p:cNvPr>
@@ -7656,7 +7656,7 @@
           <p:cNvPr id="4" name="Picture 3">
             <a:extLst>
               <a:ext uri="{FF2B5EF4-FFF2-40B4-BE49-F238E27FC236}">
-                <a16:creationId xmlns:a16="http://schemas.microsoft.com/office/drawing/2014/main" id="{174C2AA6-B15E-6845-9A64-817046997557}"/>
+                <a16:creationId xmlns:a16="http://schemas.microsoft.com/office/drawing/2014/main" xmlns="" id="{174C2AA6-B15E-6845-9A64-817046997557}"/>
               </a:ext>
             </a:extLst>
           </p:cNvPr>
@@ -7691,7 +7691,7 @@
           <p:cNvPr id="6" name="文本框 5">
             <a:extLst>
               <a:ext uri="{FF2B5EF4-FFF2-40B4-BE49-F238E27FC236}">
-                <a16:creationId xmlns:a16="http://schemas.microsoft.com/office/drawing/2014/main" id="{335A8472-2408-4D7A-A8A5-41EC7978BB25}"/>
+                <a16:creationId xmlns:a16="http://schemas.microsoft.com/office/drawing/2014/main" xmlns="" id="{335A8472-2408-4D7A-A8A5-41EC7978BB25}"/>
               </a:ext>
             </a:extLst>
           </p:cNvPr>
@@ -7747,7 +7747,7 @@
           <p:cNvPr id="10" name="文本框 9">
             <a:extLst>
               <a:ext uri="{FF2B5EF4-FFF2-40B4-BE49-F238E27FC236}">
-                <a16:creationId xmlns:a16="http://schemas.microsoft.com/office/drawing/2014/main" id="{3F177058-A170-411E-B489-03388C14131B}"/>
+                <a16:creationId xmlns:a16="http://schemas.microsoft.com/office/drawing/2014/main" xmlns="" id="{3F177058-A170-411E-B489-03388C14131B}"/>
               </a:ext>
             </a:extLst>
           </p:cNvPr>
@@ -7798,7 +7798,7 @@
           <p:cNvPr id="27" name="Straight Arrow Connector 26">
             <a:extLst>
               <a:ext uri="{FF2B5EF4-FFF2-40B4-BE49-F238E27FC236}">
-                <a16:creationId xmlns:a16="http://schemas.microsoft.com/office/drawing/2014/main" id="{B48D701E-0F33-A848-ADB7-800E566DD3E7}"/>
+                <a16:creationId xmlns:a16="http://schemas.microsoft.com/office/drawing/2014/main" xmlns="" id="{B48D701E-0F33-A848-ADB7-800E566DD3E7}"/>
               </a:ext>
             </a:extLst>
           </p:cNvPr>
@@ -7843,7 +7843,7 @@
           <p:cNvPr id="12" name="标题 1">
             <a:extLst>
               <a:ext uri="{FF2B5EF4-FFF2-40B4-BE49-F238E27FC236}">
-                <a16:creationId xmlns:a16="http://schemas.microsoft.com/office/drawing/2014/main" id="{54F39BC9-A5C8-3E4D-A214-DC186514360B}"/>
+                <a16:creationId xmlns:a16="http://schemas.microsoft.com/office/drawing/2014/main" xmlns="" id="{54F39BC9-A5C8-3E4D-A214-DC186514360B}"/>
               </a:ext>
             </a:extLst>
           </p:cNvPr>
@@ -7959,7 +7959,7 @@
           <p:cNvPr id="5" name="组合 4">
             <a:extLst>
               <a:ext uri="{FF2B5EF4-FFF2-40B4-BE49-F238E27FC236}">
-                <a16:creationId xmlns:a16="http://schemas.microsoft.com/office/drawing/2014/main" id="{029E9205-9EA4-45C3-8F26-CC994E708FDD}"/>
+                <a16:creationId xmlns:a16="http://schemas.microsoft.com/office/drawing/2014/main" xmlns="" id="{029E9205-9EA4-45C3-8F26-CC994E708FDD}"/>
               </a:ext>
             </a:extLst>
           </p:cNvPr>
@@ -7979,7 +7979,7 @@
             <p:cNvPr id="4" name="图片 3">
               <a:extLst>
                 <a:ext uri="{FF2B5EF4-FFF2-40B4-BE49-F238E27FC236}">
-                  <a16:creationId xmlns:a16="http://schemas.microsoft.com/office/drawing/2014/main" id="{017A17E8-5708-4547-8FAD-B79A9A56D5CE}"/>
+                  <a16:creationId xmlns:a16="http://schemas.microsoft.com/office/drawing/2014/main" xmlns="" id="{017A17E8-5708-4547-8FAD-B79A9A56D5CE}"/>
                 </a:ext>
               </a:extLst>
             </p:cNvPr>
@@ -8009,7 +8009,7 @@
             <p:cNvPr id="8" name="矩形 7">
               <a:extLst>
                 <a:ext uri="{FF2B5EF4-FFF2-40B4-BE49-F238E27FC236}">
-                  <a16:creationId xmlns:a16="http://schemas.microsoft.com/office/drawing/2014/main" id="{334FB434-A32F-40E3-84A5-06884B0F5E3C}"/>
+                  <a16:creationId xmlns:a16="http://schemas.microsoft.com/office/drawing/2014/main" xmlns="" id="{334FB434-A32F-40E3-84A5-06884B0F5E3C}"/>
                 </a:ext>
               </a:extLst>
             </p:cNvPr>
@@ -8062,7 +8062,7 @@
           <p:cNvPr id="34" name="文本框 29">
             <a:extLst>
               <a:ext uri="{FF2B5EF4-FFF2-40B4-BE49-F238E27FC236}">
-                <a16:creationId xmlns:a16="http://schemas.microsoft.com/office/drawing/2014/main" id="{AEF9BA5B-E303-5242-81E9-6C33302E1473}"/>
+                <a16:creationId xmlns:a16="http://schemas.microsoft.com/office/drawing/2014/main" xmlns="" id="{AEF9BA5B-E303-5242-81E9-6C33302E1473}"/>
               </a:ext>
             </a:extLst>
           </p:cNvPr>
@@ -8107,7 +8107,7 @@
           <p:cNvPr id="35" name="图形 26">
             <a:extLst>
               <a:ext uri="{FF2B5EF4-FFF2-40B4-BE49-F238E27FC236}">
-                <a16:creationId xmlns:a16="http://schemas.microsoft.com/office/drawing/2014/main" id="{36E51E32-1C3D-F746-82CE-524509989458}"/>
+                <a16:creationId xmlns:a16="http://schemas.microsoft.com/office/drawing/2014/main" xmlns="" id="{36E51E32-1C3D-F746-82CE-524509989458}"/>
               </a:ext>
             </a:extLst>
           </p:cNvPr>
@@ -8123,7 +8123,7 @@
                 <a14:useLocalDpi xmlns:a14="http://schemas.microsoft.com/office/drawing/2010/main" val="0"/>
               </a:ext>
               <a:ext uri="{96DAC541-7B7A-43D3-8B79-37D633B846F1}">
-                <asvg:svgBlip xmlns:asvg="http://schemas.microsoft.com/office/drawing/2016/SVG/main" r:embed="rId5"/>
+                <asvg:svgBlip xmlns:asvg="http://schemas.microsoft.com/office/drawing/2016/SVG/main" xmlns="" r:embed="rId5"/>
               </a:ext>
             </a:extLst>
           </a:blip>
@@ -8146,7 +8146,7 @@
           <p:cNvPr id="40" name="直接箭头连接符 37">
             <a:extLst>
               <a:ext uri="{FF2B5EF4-FFF2-40B4-BE49-F238E27FC236}">
-                <a16:creationId xmlns:a16="http://schemas.microsoft.com/office/drawing/2014/main" id="{54B6CF26-B4AD-EC46-9801-C4AC6FE5F272}"/>
+                <a16:creationId xmlns:a16="http://schemas.microsoft.com/office/drawing/2014/main" xmlns="" id="{54B6CF26-B4AD-EC46-9801-C4AC6FE5F272}"/>
               </a:ext>
             </a:extLst>
           </p:cNvPr>
@@ -8190,7 +8190,7 @@
           <p:cNvPr id="20" name="Picture 19">
             <a:extLst>
               <a:ext uri="{FF2B5EF4-FFF2-40B4-BE49-F238E27FC236}">
-                <a16:creationId xmlns:a16="http://schemas.microsoft.com/office/drawing/2014/main" id="{DC59306B-63D5-EC44-A823-AFBACADC80B0}"/>
+                <a16:creationId xmlns:a16="http://schemas.microsoft.com/office/drawing/2014/main" xmlns="" id="{DC59306B-63D5-EC44-A823-AFBACADC80B0}"/>
               </a:ext>
             </a:extLst>
           </p:cNvPr>
@@ -8225,7 +8225,7 @@
           <p:cNvPr id="55" name="Group 54">
             <a:extLst>
               <a:ext uri="{FF2B5EF4-FFF2-40B4-BE49-F238E27FC236}">
-                <a16:creationId xmlns:a16="http://schemas.microsoft.com/office/drawing/2014/main" id="{1EF45D69-FDCE-2947-9780-9AE76CBBCD0D}"/>
+                <a16:creationId xmlns:a16="http://schemas.microsoft.com/office/drawing/2014/main" xmlns="" id="{1EF45D69-FDCE-2947-9780-9AE76CBBCD0D}"/>
               </a:ext>
             </a:extLst>
           </p:cNvPr>
@@ -8245,7 +8245,7 @@
             <p:cNvPr id="56" name="图片 17">
               <a:extLst>
                 <a:ext uri="{FF2B5EF4-FFF2-40B4-BE49-F238E27FC236}">
-                  <a16:creationId xmlns:a16="http://schemas.microsoft.com/office/drawing/2014/main" id="{9E341672-F6BC-FC49-885B-CAF3ED5D0B25}"/>
+                  <a16:creationId xmlns:a16="http://schemas.microsoft.com/office/drawing/2014/main" xmlns="" id="{9E341672-F6BC-FC49-885B-CAF3ED5D0B25}"/>
                 </a:ext>
               </a:extLst>
             </p:cNvPr>
@@ -8287,7 +8287,7 @@
             <p:cNvPr id="57" name="图片 20">
               <a:extLst>
                 <a:ext uri="{FF2B5EF4-FFF2-40B4-BE49-F238E27FC236}">
-                  <a16:creationId xmlns:a16="http://schemas.microsoft.com/office/drawing/2014/main" id="{17A4A508-5BC7-604D-9939-10C69A38EEDB}"/>
+                  <a16:creationId xmlns:a16="http://schemas.microsoft.com/office/drawing/2014/main" xmlns="" id="{17A4A508-5BC7-604D-9939-10C69A38EEDB}"/>
                 </a:ext>
               </a:extLst>
             </p:cNvPr>
@@ -8329,7 +8329,7 @@
             <p:cNvPr id="58" name="文本框 22">
               <a:extLst>
                 <a:ext uri="{FF2B5EF4-FFF2-40B4-BE49-F238E27FC236}">
-                  <a16:creationId xmlns:a16="http://schemas.microsoft.com/office/drawing/2014/main" id="{E9B6E1FA-14BF-B949-8EB8-0217520DFEA0}"/>
+                  <a16:creationId xmlns:a16="http://schemas.microsoft.com/office/drawing/2014/main" xmlns="" id="{E9B6E1FA-14BF-B949-8EB8-0217520DFEA0}"/>
                 </a:ext>
               </a:extLst>
             </p:cNvPr>
@@ -8368,7 +8368,7 @@
             <p:cNvPr id="59" name="文本框 24">
               <a:extLst>
                 <a:ext uri="{FF2B5EF4-FFF2-40B4-BE49-F238E27FC236}">
-                  <a16:creationId xmlns:a16="http://schemas.microsoft.com/office/drawing/2014/main" id="{AEA1181E-7053-7240-9903-EA1E60DF5EE3}"/>
+                  <a16:creationId xmlns:a16="http://schemas.microsoft.com/office/drawing/2014/main" xmlns="" id="{AEA1181E-7053-7240-9903-EA1E60DF5EE3}"/>
                 </a:ext>
               </a:extLst>
             </p:cNvPr>
@@ -8417,7 +8417,7 @@
             <p:cNvPr id="60" name="文本框 18">
               <a:extLst>
                 <a:ext uri="{FF2B5EF4-FFF2-40B4-BE49-F238E27FC236}">
-                  <a16:creationId xmlns:a16="http://schemas.microsoft.com/office/drawing/2014/main" id="{05EA3B7C-C546-CC4B-B142-1FECD5F823CF}"/>
+                  <a16:creationId xmlns:a16="http://schemas.microsoft.com/office/drawing/2014/main" xmlns="" id="{05EA3B7C-C546-CC4B-B142-1FECD5F823CF}"/>
                 </a:ext>
               </a:extLst>
             </p:cNvPr>
@@ -8473,7 +8473,7 @@
             <p:cNvPr id="61" name="矩形 2">
               <a:extLst>
                 <a:ext uri="{FF2B5EF4-FFF2-40B4-BE49-F238E27FC236}">
-                  <a16:creationId xmlns:a16="http://schemas.microsoft.com/office/drawing/2014/main" id="{C05DCCA9-5F59-8749-93F6-726E99B2746A}"/>
+                  <a16:creationId xmlns:a16="http://schemas.microsoft.com/office/drawing/2014/main" xmlns="" id="{C05DCCA9-5F59-8749-93F6-726E99B2746A}"/>
                 </a:ext>
               </a:extLst>
             </p:cNvPr>
@@ -8526,7 +8526,7 @@
           <p:cNvPr id="30" name="文本框 29">
             <a:extLst>
               <a:ext uri="{FF2B5EF4-FFF2-40B4-BE49-F238E27FC236}">
-                <a16:creationId xmlns:a16="http://schemas.microsoft.com/office/drawing/2014/main" id="{CB2D2E77-98F7-774E-845D-FD053EF6CB4A}"/>
+                <a16:creationId xmlns:a16="http://schemas.microsoft.com/office/drawing/2014/main" xmlns="" id="{CB2D2E77-98F7-774E-845D-FD053EF6CB4A}"/>
               </a:ext>
             </a:extLst>
           </p:cNvPr>
@@ -8615,7 +8615,7 @@
           <p:cNvPr id="5" name="文本框 4">
             <a:extLst>
               <a:ext uri="{FF2B5EF4-FFF2-40B4-BE49-F238E27FC236}">
-                <a16:creationId xmlns:a16="http://schemas.microsoft.com/office/drawing/2014/main" id="{8270CA20-2FFA-4300-89E3-E8602D19A475}"/>
+                <a16:creationId xmlns:a16="http://schemas.microsoft.com/office/drawing/2014/main" xmlns="" id="{8270CA20-2FFA-4300-89E3-E8602D19A475}"/>
               </a:ext>
             </a:extLst>
           </p:cNvPr>
@@ -8657,7 +8657,7 @@
           <p:cNvPr id="9" name="文本框 8">
             <a:extLst>
               <a:ext uri="{FF2B5EF4-FFF2-40B4-BE49-F238E27FC236}">
-                <a16:creationId xmlns:a16="http://schemas.microsoft.com/office/drawing/2014/main" id="{E5894867-1765-4E31-B7D7-1678F8D651ED}"/>
+                <a16:creationId xmlns:a16="http://schemas.microsoft.com/office/drawing/2014/main" xmlns="" id="{E5894867-1765-4E31-B7D7-1678F8D651ED}"/>
               </a:ext>
             </a:extLst>
           </p:cNvPr>
@@ -8695,7 +8695,7 @@
           <p:cNvPr id="2" name="Group 1">
             <a:extLst>
               <a:ext uri="{FF2B5EF4-FFF2-40B4-BE49-F238E27FC236}">
-                <a16:creationId xmlns:a16="http://schemas.microsoft.com/office/drawing/2014/main" id="{B60A46BD-9E24-014B-85FB-0A2E2F1C17A8}"/>
+                <a16:creationId xmlns:a16="http://schemas.microsoft.com/office/drawing/2014/main" xmlns="" id="{B60A46BD-9E24-014B-85FB-0A2E2F1C17A8}"/>
               </a:ext>
             </a:extLst>
           </p:cNvPr>
@@ -8715,7 +8715,7 @@
             <p:cNvPr id="6" name="图片 5">
               <a:extLst>
                 <a:ext uri="{FF2B5EF4-FFF2-40B4-BE49-F238E27FC236}">
-                  <a16:creationId xmlns:a16="http://schemas.microsoft.com/office/drawing/2014/main" id="{7B56686D-3D00-4CEC-82C6-B8D630D99730}"/>
+                  <a16:creationId xmlns:a16="http://schemas.microsoft.com/office/drawing/2014/main" xmlns="" id="{7B56686D-3D00-4CEC-82C6-B8D630D99730}"/>
                 </a:ext>
               </a:extLst>
             </p:cNvPr>
@@ -8761,7 +8761,7 @@
             <p:cNvPr id="10" name="矩形 9">
               <a:extLst>
                 <a:ext uri="{FF2B5EF4-FFF2-40B4-BE49-F238E27FC236}">
-                  <a16:creationId xmlns:a16="http://schemas.microsoft.com/office/drawing/2014/main" id="{6E05E0E1-C1A1-4134-A03C-BF509107CB6E}"/>
+                  <a16:creationId xmlns:a16="http://schemas.microsoft.com/office/drawing/2014/main" xmlns="" id="{6E05E0E1-C1A1-4134-A03C-BF509107CB6E}"/>
                 </a:ext>
               </a:extLst>
             </p:cNvPr>
@@ -8814,7 +8814,7 @@
           <p:cNvPr id="11" name="标题 1">
             <a:extLst>
               <a:ext uri="{FF2B5EF4-FFF2-40B4-BE49-F238E27FC236}">
-                <a16:creationId xmlns:a16="http://schemas.microsoft.com/office/drawing/2014/main" id="{339134F1-2D62-0D4B-B830-89317F3CA3BC}"/>
+                <a16:creationId xmlns:a16="http://schemas.microsoft.com/office/drawing/2014/main" xmlns="" id="{339134F1-2D62-0D4B-B830-89317F3CA3BC}"/>
               </a:ext>
             </a:extLst>
           </p:cNvPr>
@@ -8894,7 +8894,7 @@
           <p:cNvPr id="2" name="标题 1">
             <a:extLst>
               <a:ext uri="{FF2B5EF4-FFF2-40B4-BE49-F238E27FC236}">
-                <a16:creationId xmlns:a16="http://schemas.microsoft.com/office/drawing/2014/main" id="{21270181-301E-42D5-9F99-05B341781979}"/>
+                <a16:creationId xmlns:a16="http://schemas.microsoft.com/office/drawing/2014/main" xmlns="" id="{21270181-301E-42D5-9F99-05B341781979}"/>
               </a:ext>
             </a:extLst>
           </p:cNvPr>
@@ -8923,7 +8923,7 @@
           <p:cNvPr id="3" name="Rectangle 2">
             <a:extLst>
               <a:ext uri="{FF2B5EF4-FFF2-40B4-BE49-F238E27FC236}">
-                <a16:creationId xmlns:a16="http://schemas.microsoft.com/office/drawing/2014/main" id="{AEA12E32-9294-8748-A95F-7F91C842FBD8}"/>
+                <a16:creationId xmlns:a16="http://schemas.microsoft.com/office/drawing/2014/main" xmlns="" id="{AEA12E32-9294-8748-A95F-7F91C842FBD8}"/>
               </a:ext>
             </a:extLst>
           </p:cNvPr>
@@ -9001,7 +9001,7 @@
           <p:cNvPr id="7" name="Rectangle 6">
             <a:extLst>
               <a:ext uri="{FF2B5EF4-FFF2-40B4-BE49-F238E27FC236}">
-                <a16:creationId xmlns:a16="http://schemas.microsoft.com/office/drawing/2014/main" id="{CAC6518E-D48D-AF43-90E3-AAE03A069093}"/>
+                <a16:creationId xmlns:a16="http://schemas.microsoft.com/office/drawing/2014/main" xmlns="" id="{CAC6518E-D48D-AF43-90E3-AAE03A069093}"/>
               </a:ext>
             </a:extLst>
           </p:cNvPr>
@@ -9031,7 +9031,7 @@
               </a:rPr>
               <a:t>+</a:t>
             </a:r>
-            <a:endParaRPr lang="en-NL" altLang="zh-CN" sz="2000" b="1" dirty="0">
+            <a:endParaRPr lang="x-none" altLang="zh-CN" sz="2000" b="1" dirty="0">
               <a:latin typeface="Times New Roman" panose="02020603050405020304" pitchFamily="18" charset="0"/>
               <a:cs typeface="Times New Roman" panose="02020603050405020304" pitchFamily="18" charset="0"/>
             </a:endParaRPr>
@@ -9043,7 +9043,7 @@
           <p:cNvPr id="8" name="Rectangle 7">
             <a:extLst>
               <a:ext uri="{FF2B5EF4-FFF2-40B4-BE49-F238E27FC236}">
-                <a16:creationId xmlns:a16="http://schemas.microsoft.com/office/drawing/2014/main" id="{7ED0B1CC-8D39-514B-B1EB-5FF891ACCF20}"/>
+                <a16:creationId xmlns:a16="http://schemas.microsoft.com/office/drawing/2014/main" xmlns="" id="{7ED0B1CC-8D39-514B-B1EB-5FF891ACCF20}"/>
               </a:ext>
             </a:extLst>
           </p:cNvPr>
@@ -9081,7 +9081,7 @@
           <p:cNvPr id="9" name="Rectangle 8">
             <a:extLst>
               <a:ext uri="{FF2B5EF4-FFF2-40B4-BE49-F238E27FC236}">
-                <a16:creationId xmlns:a16="http://schemas.microsoft.com/office/drawing/2014/main" id="{CC04CDB1-A837-B247-910C-5FDED9FBEF13}"/>
+                <a16:creationId xmlns:a16="http://schemas.microsoft.com/office/drawing/2014/main" xmlns="" id="{CC04CDB1-A837-B247-910C-5FDED9FBEF13}"/>
               </a:ext>
             </a:extLst>
           </p:cNvPr>
@@ -9119,7 +9119,7 @@
           <p:cNvPr id="10" name="Rectangle 9">
             <a:extLst>
               <a:ext uri="{FF2B5EF4-FFF2-40B4-BE49-F238E27FC236}">
-                <a16:creationId xmlns:a16="http://schemas.microsoft.com/office/drawing/2014/main" id="{C7A83FF6-2287-354A-9DFD-93298138F772}"/>
+                <a16:creationId xmlns:a16="http://schemas.microsoft.com/office/drawing/2014/main" xmlns="" id="{C7A83FF6-2287-354A-9DFD-93298138F772}"/>
               </a:ext>
             </a:extLst>
           </p:cNvPr>
@@ -9149,7 +9149,7 @@
               </a:rPr>
               <a:t>external lexicon features</a:t>
             </a:r>
-            <a:endParaRPr lang="en-NL" sz="2000" b="1" dirty="0">
+            <a:endParaRPr lang="x-none" sz="2000" b="1" dirty="0">
               <a:latin typeface="Times New Roman" panose="02020603050405020304" pitchFamily="18" charset="0"/>
               <a:cs typeface="Times New Roman" panose="02020603050405020304" pitchFamily="18" charset="0"/>
             </a:endParaRPr>
@@ -9161,7 +9161,7 @@
           <p:cNvPr id="13" name="Rectangle 12">
             <a:extLst>
               <a:ext uri="{FF2B5EF4-FFF2-40B4-BE49-F238E27FC236}">
-                <a16:creationId xmlns:a16="http://schemas.microsoft.com/office/drawing/2014/main" id="{12AEB070-2967-9A43-9A72-BC1F22815965}"/>
+                <a16:creationId xmlns:a16="http://schemas.microsoft.com/office/drawing/2014/main" xmlns="" id="{12AEB070-2967-9A43-9A72-BC1F22815965}"/>
               </a:ext>
             </a:extLst>
           </p:cNvPr>
@@ -9191,7 +9191,7 @@
               </a:rPr>
               <a:t>+</a:t>
             </a:r>
-            <a:endParaRPr lang="en-NL" altLang="zh-CN" sz="2000" b="1" dirty="0">
+            <a:endParaRPr lang="x-none" altLang="zh-CN" sz="2000" b="1" dirty="0">
               <a:latin typeface="Times New Roman" panose="02020603050405020304" pitchFamily="18" charset="0"/>
               <a:cs typeface="Times New Roman" panose="02020603050405020304" pitchFamily="18" charset="0"/>
             </a:endParaRPr>
@@ -9203,7 +9203,7 @@
           <p:cNvPr id="23" name="Group 22">
             <a:extLst>
               <a:ext uri="{FF2B5EF4-FFF2-40B4-BE49-F238E27FC236}">
-                <a16:creationId xmlns:a16="http://schemas.microsoft.com/office/drawing/2014/main" id="{A341464D-58EC-3C42-AA3B-928476B97A39}"/>
+                <a16:creationId xmlns:a16="http://schemas.microsoft.com/office/drawing/2014/main" xmlns="" id="{A341464D-58EC-3C42-AA3B-928476B97A39}"/>
               </a:ext>
             </a:extLst>
           </p:cNvPr>
@@ -9223,7 +9223,7 @@
             <p:cNvPr id="20" name="Picture 19">
               <a:extLst>
                 <a:ext uri="{FF2B5EF4-FFF2-40B4-BE49-F238E27FC236}">
-                  <a16:creationId xmlns:a16="http://schemas.microsoft.com/office/drawing/2014/main" id="{BD560E5F-3233-B741-8E38-EED5456D6D6B}"/>
+                  <a16:creationId xmlns:a16="http://schemas.microsoft.com/office/drawing/2014/main" xmlns="" id="{BD560E5F-3233-B741-8E38-EED5456D6D6B}"/>
                 </a:ext>
               </a:extLst>
             </p:cNvPr>
@@ -9258,7 +9258,7 @@
             <p:cNvPr id="21" name="Rectangle 20">
               <a:extLst>
                 <a:ext uri="{FF2B5EF4-FFF2-40B4-BE49-F238E27FC236}">
-                  <a16:creationId xmlns:a16="http://schemas.microsoft.com/office/drawing/2014/main" id="{34E77220-BF90-7B4D-B8D5-D8650F001622}"/>
+                  <a16:creationId xmlns:a16="http://schemas.microsoft.com/office/drawing/2014/main" xmlns="" id="{34E77220-BF90-7B4D-B8D5-D8650F001622}"/>
                 </a:ext>
               </a:extLst>
             </p:cNvPr>
@@ -9303,7 +9303,7 @@
             <a:lstStyle/>
             <a:p>
               <a:pPr algn="ctr"/>
-              <a:endParaRPr lang="en-NL"/>
+              <a:endParaRPr lang="x-none"/>
             </a:p>
           </p:txBody>
         </p:sp>
@@ -9313,7 +9313,7 @@
           <p:cNvPr id="24" name="Group 23">
             <a:extLst>
               <a:ext uri="{FF2B5EF4-FFF2-40B4-BE49-F238E27FC236}">
-                <a16:creationId xmlns:a16="http://schemas.microsoft.com/office/drawing/2014/main" id="{67FC265B-8EFA-2142-ACC6-3A0DE7085ED7}"/>
+                <a16:creationId xmlns:a16="http://schemas.microsoft.com/office/drawing/2014/main" xmlns="" id="{67FC265B-8EFA-2142-ACC6-3A0DE7085ED7}"/>
               </a:ext>
             </a:extLst>
           </p:cNvPr>
@@ -9333,7 +9333,7 @@
             <p:cNvPr id="19" name="Picture 18">
               <a:extLst>
                 <a:ext uri="{FF2B5EF4-FFF2-40B4-BE49-F238E27FC236}">
-                  <a16:creationId xmlns:a16="http://schemas.microsoft.com/office/drawing/2014/main" id="{4790F202-0023-7C4B-8CB6-D5F44DFA0BB0}"/>
+                  <a16:creationId xmlns:a16="http://schemas.microsoft.com/office/drawing/2014/main" xmlns="" id="{4790F202-0023-7C4B-8CB6-D5F44DFA0BB0}"/>
                 </a:ext>
               </a:extLst>
             </p:cNvPr>
@@ -9368,7 +9368,7 @@
             <p:cNvPr id="22" name="Rectangle 21">
               <a:extLst>
                 <a:ext uri="{FF2B5EF4-FFF2-40B4-BE49-F238E27FC236}">
-                  <a16:creationId xmlns:a16="http://schemas.microsoft.com/office/drawing/2014/main" id="{EA3534E6-6B8F-4C43-B3E9-72D0469E0DF9}"/>
+                  <a16:creationId xmlns:a16="http://schemas.microsoft.com/office/drawing/2014/main" xmlns="" id="{EA3534E6-6B8F-4C43-B3E9-72D0469E0DF9}"/>
                 </a:ext>
               </a:extLst>
             </p:cNvPr>
@@ -9413,7 +9413,7 @@
             <a:lstStyle/>
             <a:p>
               <a:pPr algn="ctr"/>
-              <a:endParaRPr lang="en-NL"/>
+              <a:endParaRPr lang="x-none"/>
             </a:p>
           </p:txBody>
         </p:sp>
@@ -9423,7 +9423,7 @@
           <p:cNvPr id="29" name="Group 28">
             <a:extLst>
               <a:ext uri="{FF2B5EF4-FFF2-40B4-BE49-F238E27FC236}">
-                <a16:creationId xmlns:a16="http://schemas.microsoft.com/office/drawing/2014/main" id="{E13EE350-7CC3-9844-9D71-1636124CC19C}"/>
+                <a16:creationId xmlns:a16="http://schemas.microsoft.com/office/drawing/2014/main" xmlns="" id="{E13EE350-7CC3-9844-9D71-1636124CC19C}"/>
               </a:ext>
             </a:extLst>
           </p:cNvPr>
@@ -9443,7 +9443,7 @@
             <p:cNvPr id="26" name="Picture 25">
               <a:extLst>
                 <a:ext uri="{FF2B5EF4-FFF2-40B4-BE49-F238E27FC236}">
-                  <a16:creationId xmlns:a16="http://schemas.microsoft.com/office/drawing/2014/main" id="{34619180-EBEF-EE45-9CE0-D423081147AB}"/>
+                  <a16:creationId xmlns:a16="http://schemas.microsoft.com/office/drawing/2014/main" xmlns="" id="{34619180-EBEF-EE45-9CE0-D423081147AB}"/>
                 </a:ext>
               </a:extLst>
             </p:cNvPr>
@@ -9478,7 +9478,7 @@
             <p:cNvPr id="27" name="Rectangle 26">
               <a:extLst>
                 <a:ext uri="{FF2B5EF4-FFF2-40B4-BE49-F238E27FC236}">
-                  <a16:creationId xmlns:a16="http://schemas.microsoft.com/office/drawing/2014/main" id="{7D3AF343-F264-9941-9B66-4E52465BFAEA}"/>
+                  <a16:creationId xmlns:a16="http://schemas.microsoft.com/office/drawing/2014/main" xmlns="" id="{7D3AF343-F264-9941-9B66-4E52465BFAEA}"/>
                 </a:ext>
               </a:extLst>
             </p:cNvPr>
@@ -9523,7 +9523,7 @@
             <a:lstStyle/>
             <a:p>
               <a:pPr algn="ctr"/>
-              <a:endParaRPr lang="en-NL"/>
+              <a:endParaRPr lang="x-none"/>
             </a:p>
           </p:txBody>
         </p:sp>
@@ -9532,7 +9532,7 @@
             <p:cNvPr id="28" name="Rectangle 27">
               <a:extLst>
                 <a:ext uri="{FF2B5EF4-FFF2-40B4-BE49-F238E27FC236}">
-                  <a16:creationId xmlns:a16="http://schemas.microsoft.com/office/drawing/2014/main" id="{B35091E3-C64B-044A-B735-2F4297380F3D}"/>
+                  <a16:creationId xmlns:a16="http://schemas.microsoft.com/office/drawing/2014/main" xmlns="" id="{B35091E3-C64B-044A-B735-2F4297380F3D}"/>
                 </a:ext>
               </a:extLst>
             </p:cNvPr>
@@ -9577,7 +9577,7 @@
             <a:lstStyle/>
             <a:p>
               <a:pPr algn="ctr"/>
-              <a:endParaRPr lang="en-NL"/>
+              <a:endParaRPr lang="x-none"/>
             </a:p>
           </p:txBody>
         </p:sp>
@@ -9587,7 +9587,7 @@
           <p:cNvPr id="5" name="Picture 4">
             <a:extLst>
               <a:ext uri="{FF2B5EF4-FFF2-40B4-BE49-F238E27FC236}">
-                <a16:creationId xmlns:a16="http://schemas.microsoft.com/office/drawing/2014/main" id="{3A5FBE4C-15CF-5A48-8E6F-F610216B5641}"/>
+                <a16:creationId xmlns:a16="http://schemas.microsoft.com/office/drawing/2014/main" xmlns="" id="{3A5FBE4C-15CF-5A48-8E6F-F610216B5641}"/>
               </a:ext>
             </a:extLst>
           </p:cNvPr>
@@ -9623,7 +9623,7 @@
           <p:cNvPr id="35" name="Rectangle 34">
             <a:extLst>
               <a:ext uri="{FF2B5EF4-FFF2-40B4-BE49-F238E27FC236}">
-                <a16:creationId xmlns:a16="http://schemas.microsoft.com/office/drawing/2014/main" id="{E6D0DCB8-CE3A-7945-8749-BE2E33B0F6F4}"/>
+                <a16:creationId xmlns:a16="http://schemas.microsoft.com/office/drawing/2014/main" xmlns="" id="{E6D0DCB8-CE3A-7945-8749-BE2E33B0F6F4}"/>
               </a:ext>
             </a:extLst>
           </p:cNvPr>
@@ -9668,7 +9668,7 @@
           <a:lstStyle/>
           <a:p>
             <a:pPr algn="ctr"/>
-            <a:endParaRPr lang="en-NL"/>
+            <a:endParaRPr lang="x-none"/>
           </a:p>
         </p:txBody>
       </p:sp>
@@ -9677,7 +9677,7 @@
           <p:cNvPr id="37" name="Rectangle 36">
             <a:extLst>
               <a:ext uri="{FF2B5EF4-FFF2-40B4-BE49-F238E27FC236}">
-                <a16:creationId xmlns:a16="http://schemas.microsoft.com/office/drawing/2014/main" id="{EBD5CCBC-5712-DF4C-B15F-A1F009DEC609}"/>
+                <a16:creationId xmlns:a16="http://schemas.microsoft.com/office/drawing/2014/main" xmlns="" id="{EBD5CCBC-5712-DF4C-B15F-A1F009DEC609}"/>
               </a:ext>
             </a:extLst>
           </p:cNvPr>
@@ -9715,7 +9715,7 @@
           <p:cNvPr id="38" name="Group 37">
             <a:extLst>
               <a:ext uri="{FF2B5EF4-FFF2-40B4-BE49-F238E27FC236}">
-                <a16:creationId xmlns:a16="http://schemas.microsoft.com/office/drawing/2014/main" id="{84CFB27A-4EF6-1B4D-A24F-4B973FC81F61}"/>
+                <a16:creationId xmlns:a16="http://schemas.microsoft.com/office/drawing/2014/main" xmlns="" id="{84CFB27A-4EF6-1B4D-A24F-4B973FC81F61}"/>
               </a:ext>
             </a:extLst>
           </p:cNvPr>
@@ -9735,7 +9735,7 @@
             <p:cNvPr id="30" name="Picture 29">
               <a:extLst>
                 <a:ext uri="{FF2B5EF4-FFF2-40B4-BE49-F238E27FC236}">
-                  <a16:creationId xmlns:a16="http://schemas.microsoft.com/office/drawing/2014/main" id="{32049875-9BE4-0241-8B6D-8454CACB175B}"/>
+                  <a16:creationId xmlns:a16="http://schemas.microsoft.com/office/drawing/2014/main" xmlns="" id="{32049875-9BE4-0241-8B6D-8454CACB175B}"/>
                 </a:ext>
               </a:extLst>
             </p:cNvPr>
@@ -9770,7 +9770,7 @@
             <p:cNvPr id="31" name="Rectangle 30">
               <a:extLst>
                 <a:ext uri="{FF2B5EF4-FFF2-40B4-BE49-F238E27FC236}">
-                  <a16:creationId xmlns:a16="http://schemas.microsoft.com/office/drawing/2014/main" id="{99D7683D-296E-9344-B362-B96ACA4A7A67}"/>
+                  <a16:creationId xmlns:a16="http://schemas.microsoft.com/office/drawing/2014/main" xmlns="" id="{99D7683D-296E-9344-B362-B96ACA4A7A67}"/>
                 </a:ext>
               </a:extLst>
             </p:cNvPr>
@@ -9815,7 +9815,7 @@
             <a:lstStyle/>
             <a:p>
               <a:pPr algn="ctr"/>
-              <a:endParaRPr lang="en-NL"/>
+              <a:endParaRPr lang="x-none"/>
             </a:p>
           </p:txBody>
         </p:sp>
@@ -9824,7 +9824,7 @@
             <p:cNvPr id="32" name="Rectangle 31">
               <a:extLst>
                 <a:ext uri="{FF2B5EF4-FFF2-40B4-BE49-F238E27FC236}">
-                  <a16:creationId xmlns:a16="http://schemas.microsoft.com/office/drawing/2014/main" id="{933929C9-936B-8247-B48E-9B4A40262F06}"/>
+                  <a16:creationId xmlns:a16="http://schemas.microsoft.com/office/drawing/2014/main" xmlns="" id="{933929C9-936B-8247-B48E-9B4A40262F06}"/>
                 </a:ext>
               </a:extLst>
             </p:cNvPr>
@@ -9869,7 +9869,7 @@
             <a:lstStyle/>
             <a:p>
               <a:pPr algn="ctr"/>
-              <a:endParaRPr lang="en-NL"/>
+              <a:endParaRPr lang="x-none"/>
             </a:p>
           </p:txBody>
         </p:sp>
@@ -9878,7 +9878,7 @@
             <p:cNvPr id="33" name="Rectangle 32">
               <a:extLst>
                 <a:ext uri="{FF2B5EF4-FFF2-40B4-BE49-F238E27FC236}">
-                  <a16:creationId xmlns:a16="http://schemas.microsoft.com/office/drawing/2014/main" id="{FA435E09-0C82-2646-9855-9AE1AA4B9336}"/>
+                  <a16:creationId xmlns:a16="http://schemas.microsoft.com/office/drawing/2014/main" xmlns="" id="{FA435E09-0C82-2646-9855-9AE1AA4B9336}"/>
                 </a:ext>
               </a:extLst>
             </p:cNvPr>
@@ -9923,7 +9923,7 @@
             <a:lstStyle/>
             <a:p>
               <a:pPr algn="ctr"/>
-              <a:endParaRPr lang="en-NL"/>
+              <a:endParaRPr lang="x-none"/>
             </a:p>
           </p:txBody>
         </p:sp>
@@ -9933,7 +9933,7 @@
           <p:cNvPr id="39" name="Rectangle 38">
             <a:extLst>
               <a:ext uri="{FF2B5EF4-FFF2-40B4-BE49-F238E27FC236}">
-                <a16:creationId xmlns:a16="http://schemas.microsoft.com/office/drawing/2014/main" id="{9E51453B-611A-6F40-84E6-DB55796C8007}"/>
+                <a16:creationId xmlns:a16="http://schemas.microsoft.com/office/drawing/2014/main" xmlns="" id="{9E51453B-611A-6F40-84E6-DB55796C8007}"/>
               </a:ext>
             </a:extLst>
           </p:cNvPr>
@@ -9971,7 +9971,7 @@
           <p:cNvPr id="40" name="Rectangle 39">
             <a:extLst>
               <a:ext uri="{FF2B5EF4-FFF2-40B4-BE49-F238E27FC236}">
-                <a16:creationId xmlns:a16="http://schemas.microsoft.com/office/drawing/2014/main" id="{10CFF661-28D7-E140-8078-735756480C86}"/>
+                <a16:creationId xmlns:a16="http://schemas.microsoft.com/office/drawing/2014/main" xmlns="" id="{10CFF661-28D7-E140-8078-735756480C86}"/>
               </a:ext>
             </a:extLst>
           </p:cNvPr>
@@ -10019,7 +10019,7 @@
           <p:cNvPr id="41" name="Rectangle 40">
             <a:extLst>
               <a:ext uri="{FF2B5EF4-FFF2-40B4-BE49-F238E27FC236}">
-                <a16:creationId xmlns:a16="http://schemas.microsoft.com/office/drawing/2014/main" id="{C396C11B-823B-B54A-BB6F-429D8325CA1F}"/>
+                <a16:creationId xmlns:a16="http://schemas.microsoft.com/office/drawing/2014/main" xmlns="" id="{C396C11B-823B-B54A-BB6F-429D8325CA1F}"/>
               </a:ext>
             </a:extLst>
           </p:cNvPr>
@@ -10057,7 +10057,7 @@
           <p:cNvPr id="45" name="Picture 44">
             <a:extLst>
               <a:ext uri="{FF2B5EF4-FFF2-40B4-BE49-F238E27FC236}">
-                <a16:creationId xmlns:a16="http://schemas.microsoft.com/office/drawing/2014/main" id="{1675004F-1D3A-AC4E-8D7A-F7B482608033}"/>
+                <a16:creationId xmlns:a16="http://schemas.microsoft.com/office/drawing/2014/main" xmlns="" id="{1675004F-1D3A-AC4E-8D7A-F7B482608033}"/>
               </a:ext>
             </a:extLst>
           </p:cNvPr>
@@ -10092,7 +10092,7 @@
           <p:cNvPr id="14" name="Group 13">
             <a:extLst>
               <a:ext uri="{FF2B5EF4-FFF2-40B4-BE49-F238E27FC236}">
-                <a16:creationId xmlns:a16="http://schemas.microsoft.com/office/drawing/2014/main" id="{F9BEE66F-5181-E94E-B549-FBF5E6DEBAA3}"/>
+                <a16:creationId xmlns:a16="http://schemas.microsoft.com/office/drawing/2014/main" xmlns="" id="{F9BEE66F-5181-E94E-B549-FBF5E6DEBAA3}"/>
               </a:ext>
             </a:extLst>
           </p:cNvPr>
@@ -10112,7 +10112,7 @@
             <p:cNvPr id="42" name="图片 436">
               <a:extLst>
                 <a:ext uri="{FF2B5EF4-FFF2-40B4-BE49-F238E27FC236}">
-                  <a16:creationId xmlns:a16="http://schemas.microsoft.com/office/drawing/2014/main" id="{DEDF85C6-49A3-6644-851B-D3119396D135}"/>
+                  <a16:creationId xmlns:a16="http://schemas.microsoft.com/office/drawing/2014/main" xmlns="" id="{DEDF85C6-49A3-6644-851B-D3119396D135}"/>
                 </a:ext>
               </a:extLst>
             </p:cNvPr>
@@ -10151,7 +10151,7 @@
             <p:cNvPr id="43" name="图片 437">
               <a:extLst>
                 <a:ext uri="{FF2B5EF4-FFF2-40B4-BE49-F238E27FC236}">
-                  <a16:creationId xmlns:a16="http://schemas.microsoft.com/office/drawing/2014/main" id="{24F988BC-B4B4-9749-BFB2-B4B00A8A5F82}"/>
+                  <a16:creationId xmlns:a16="http://schemas.microsoft.com/office/drawing/2014/main" xmlns="" id="{24F988BC-B4B4-9749-BFB2-B4B00A8A5F82}"/>
                 </a:ext>
               </a:extLst>
             </p:cNvPr>
@@ -10733,7 +10733,7 @@
           <p:cNvPr id="2" name="标题 1">
             <a:extLst>
               <a:ext uri="{FF2B5EF4-FFF2-40B4-BE49-F238E27FC236}">
-                <a16:creationId xmlns:a16="http://schemas.microsoft.com/office/drawing/2014/main" id="{21270181-301E-42D5-9F99-05B341781979}"/>
+                <a16:creationId xmlns:a16="http://schemas.microsoft.com/office/drawing/2014/main" xmlns="" id="{21270181-301E-42D5-9F99-05B341781979}"/>
               </a:ext>
             </a:extLst>
           </p:cNvPr>
@@ -10762,7 +10762,7 @@
           <p:cNvPr id="3" name="Rectangle 2">
             <a:extLst>
               <a:ext uri="{FF2B5EF4-FFF2-40B4-BE49-F238E27FC236}">
-                <a16:creationId xmlns:a16="http://schemas.microsoft.com/office/drawing/2014/main" id="{AEA12E32-9294-8748-A95F-7F91C842FBD8}"/>
+                <a16:creationId xmlns:a16="http://schemas.microsoft.com/office/drawing/2014/main" xmlns="" id="{AEA12E32-9294-8748-A95F-7F91C842FBD8}"/>
               </a:ext>
             </a:extLst>
           </p:cNvPr>
@@ -10840,7 +10840,7 @@
           <p:cNvPr id="7" name="Rectangle 6">
             <a:extLst>
               <a:ext uri="{FF2B5EF4-FFF2-40B4-BE49-F238E27FC236}">
-                <a16:creationId xmlns:a16="http://schemas.microsoft.com/office/drawing/2014/main" id="{CAC6518E-D48D-AF43-90E3-AAE03A069093}"/>
+                <a16:creationId xmlns:a16="http://schemas.microsoft.com/office/drawing/2014/main" xmlns="" id="{CAC6518E-D48D-AF43-90E3-AAE03A069093}"/>
               </a:ext>
             </a:extLst>
           </p:cNvPr>
@@ -10870,7 +10870,7 @@
               </a:rPr>
               <a:t>+</a:t>
             </a:r>
-            <a:endParaRPr lang="en-NL" altLang="zh-CN" sz="2000" b="1" dirty="0">
+            <a:endParaRPr lang="x-none" altLang="zh-CN" sz="2000" b="1" dirty="0">
               <a:latin typeface="Times New Roman" panose="02020603050405020304" pitchFamily="18" charset="0"/>
               <a:cs typeface="Times New Roman" panose="02020603050405020304" pitchFamily="18" charset="0"/>
             </a:endParaRPr>
@@ -10882,7 +10882,7 @@
           <p:cNvPr id="8" name="Rectangle 7">
             <a:extLst>
               <a:ext uri="{FF2B5EF4-FFF2-40B4-BE49-F238E27FC236}">
-                <a16:creationId xmlns:a16="http://schemas.microsoft.com/office/drawing/2014/main" id="{7ED0B1CC-8D39-514B-B1EB-5FF891ACCF20}"/>
+                <a16:creationId xmlns:a16="http://schemas.microsoft.com/office/drawing/2014/main" xmlns="" id="{7ED0B1CC-8D39-514B-B1EB-5FF891ACCF20}"/>
               </a:ext>
             </a:extLst>
           </p:cNvPr>
@@ -10920,7 +10920,7 @@
           <p:cNvPr id="9" name="Rectangle 8">
             <a:extLst>
               <a:ext uri="{FF2B5EF4-FFF2-40B4-BE49-F238E27FC236}">
-                <a16:creationId xmlns:a16="http://schemas.microsoft.com/office/drawing/2014/main" id="{CC04CDB1-A837-B247-910C-5FDED9FBEF13}"/>
+                <a16:creationId xmlns:a16="http://schemas.microsoft.com/office/drawing/2014/main" xmlns="" id="{CC04CDB1-A837-B247-910C-5FDED9FBEF13}"/>
               </a:ext>
             </a:extLst>
           </p:cNvPr>
@@ -10958,7 +10958,7 @@
           <p:cNvPr id="10" name="Rectangle 9">
             <a:extLst>
               <a:ext uri="{FF2B5EF4-FFF2-40B4-BE49-F238E27FC236}">
-                <a16:creationId xmlns:a16="http://schemas.microsoft.com/office/drawing/2014/main" id="{C7A83FF6-2287-354A-9DFD-93298138F772}"/>
+                <a16:creationId xmlns:a16="http://schemas.microsoft.com/office/drawing/2014/main" xmlns="" id="{C7A83FF6-2287-354A-9DFD-93298138F772}"/>
               </a:ext>
             </a:extLst>
           </p:cNvPr>
@@ -10988,7 +10988,7 @@
               </a:rPr>
               <a:t>external lexicon features</a:t>
             </a:r>
-            <a:endParaRPr lang="en-NL" sz="2000" b="1" dirty="0">
+            <a:endParaRPr lang="x-none" sz="2000" b="1" dirty="0">
               <a:latin typeface="Times New Roman" panose="02020603050405020304" pitchFamily="18" charset="0"/>
               <a:cs typeface="Times New Roman" panose="02020603050405020304" pitchFamily="18" charset="0"/>
             </a:endParaRPr>
@@ -11000,7 +11000,7 @@
           <p:cNvPr id="13" name="Rectangle 12">
             <a:extLst>
               <a:ext uri="{FF2B5EF4-FFF2-40B4-BE49-F238E27FC236}">
-                <a16:creationId xmlns:a16="http://schemas.microsoft.com/office/drawing/2014/main" id="{12AEB070-2967-9A43-9A72-BC1F22815965}"/>
+                <a16:creationId xmlns:a16="http://schemas.microsoft.com/office/drawing/2014/main" xmlns="" id="{12AEB070-2967-9A43-9A72-BC1F22815965}"/>
               </a:ext>
             </a:extLst>
           </p:cNvPr>
@@ -11030,7 +11030,7 @@
               </a:rPr>
               <a:t>+</a:t>
             </a:r>
-            <a:endParaRPr lang="en-NL" altLang="zh-CN" sz="2000" b="1" dirty="0">
+            <a:endParaRPr lang="x-none" altLang="zh-CN" sz="2000" b="1" dirty="0">
               <a:latin typeface="Times New Roman" panose="02020603050405020304" pitchFamily="18" charset="0"/>
               <a:cs typeface="Times New Roman" panose="02020603050405020304" pitchFamily="18" charset="0"/>
             </a:endParaRPr>
@@ -11042,7 +11042,7 @@
           <p:cNvPr id="44" name="Picture 43">
             <a:extLst>
               <a:ext uri="{FF2B5EF4-FFF2-40B4-BE49-F238E27FC236}">
-                <a16:creationId xmlns:a16="http://schemas.microsoft.com/office/drawing/2014/main" id="{4B144CE5-DD97-2A44-9BD7-B44C4F136711}"/>
+                <a16:creationId xmlns:a16="http://schemas.microsoft.com/office/drawing/2014/main" xmlns="" id="{4B144CE5-DD97-2A44-9BD7-B44C4F136711}"/>
               </a:ext>
             </a:extLst>
           </p:cNvPr>
@@ -11077,7 +11077,7 @@
           <p:cNvPr id="4" name="Group 3">
             <a:extLst>
               <a:ext uri="{FF2B5EF4-FFF2-40B4-BE49-F238E27FC236}">
-                <a16:creationId xmlns:a16="http://schemas.microsoft.com/office/drawing/2014/main" id="{56137A69-C89B-BA45-B9AD-1F22DFF36E94}"/>
+                <a16:creationId xmlns:a16="http://schemas.microsoft.com/office/drawing/2014/main" xmlns="" id="{56137A69-C89B-BA45-B9AD-1F22DFF36E94}"/>
               </a:ext>
             </a:extLst>
           </p:cNvPr>
@@ -11097,7 +11097,7 @@
             <p:cNvPr id="29" name="Group 28">
               <a:extLst>
                 <a:ext uri="{FF2B5EF4-FFF2-40B4-BE49-F238E27FC236}">
-                  <a16:creationId xmlns:a16="http://schemas.microsoft.com/office/drawing/2014/main" id="{E13EE350-7CC3-9844-9D71-1636124CC19C}"/>
+                  <a16:creationId xmlns:a16="http://schemas.microsoft.com/office/drawing/2014/main" xmlns="" id="{E13EE350-7CC3-9844-9D71-1636124CC19C}"/>
                 </a:ext>
               </a:extLst>
             </p:cNvPr>
@@ -11117,7 +11117,7 @@
               <p:cNvPr id="27" name="Rectangle 26">
                 <a:extLst>
                   <a:ext uri="{FF2B5EF4-FFF2-40B4-BE49-F238E27FC236}">
-                    <a16:creationId xmlns:a16="http://schemas.microsoft.com/office/drawing/2014/main" id="{7D3AF343-F264-9941-9B66-4E52465BFAEA}"/>
+                    <a16:creationId xmlns:a16="http://schemas.microsoft.com/office/drawing/2014/main" xmlns="" id="{7D3AF343-F264-9941-9B66-4E52465BFAEA}"/>
                   </a:ext>
                 </a:extLst>
               </p:cNvPr>
@@ -11162,7 +11162,7 @@
               <a:lstStyle/>
               <a:p>
                 <a:pPr algn="ctr"/>
-                <a:endParaRPr lang="en-NL"/>
+                <a:endParaRPr lang="x-none"/>
               </a:p>
             </p:txBody>
           </p:sp>
@@ -11171,7 +11171,7 @@
               <p:cNvPr id="28" name="Rectangle 27">
                 <a:extLst>
                   <a:ext uri="{FF2B5EF4-FFF2-40B4-BE49-F238E27FC236}">
-                    <a16:creationId xmlns:a16="http://schemas.microsoft.com/office/drawing/2014/main" id="{B35091E3-C64B-044A-B735-2F4297380F3D}"/>
+                    <a16:creationId xmlns:a16="http://schemas.microsoft.com/office/drawing/2014/main" xmlns="" id="{B35091E3-C64B-044A-B735-2F4297380F3D}"/>
                   </a:ext>
                 </a:extLst>
               </p:cNvPr>
@@ -11216,7 +11216,7 @@
               <a:lstStyle/>
               <a:p>
                 <a:pPr algn="ctr"/>
-                <a:endParaRPr lang="en-NL"/>
+                <a:endParaRPr lang="x-none"/>
               </a:p>
             </p:txBody>
           </p:sp>
@@ -11226,7 +11226,7 @@
             <p:cNvPr id="35" name="Rectangle 34">
               <a:extLst>
                 <a:ext uri="{FF2B5EF4-FFF2-40B4-BE49-F238E27FC236}">
-                  <a16:creationId xmlns:a16="http://schemas.microsoft.com/office/drawing/2014/main" id="{E6D0DCB8-CE3A-7945-8749-BE2E33B0F6F4}"/>
+                  <a16:creationId xmlns:a16="http://schemas.microsoft.com/office/drawing/2014/main" xmlns="" id="{E6D0DCB8-CE3A-7945-8749-BE2E33B0F6F4}"/>
                 </a:ext>
               </a:extLst>
             </p:cNvPr>
@@ -11271,7 +11271,7 @@
             <a:lstStyle/>
             <a:p>
               <a:pPr algn="ctr"/>
-              <a:endParaRPr lang="en-NL"/>
+              <a:endParaRPr lang="x-none"/>
             </a:p>
           </p:txBody>
         </p:sp>
@@ -11280,7 +11280,7 @@
             <p:cNvPr id="34" name="Picture 33">
               <a:extLst>
                 <a:ext uri="{FF2B5EF4-FFF2-40B4-BE49-F238E27FC236}">
-                  <a16:creationId xmlns:a16="http://schemas.microsoft.com/office/drawing/2014/main" id="{30EA8575-F670-464D-ACCD-41EFEBF28D61}"/>
+                  <a16:creationId xmlns:a16="http://schemas.microsoft.com/office/drawing/2014/main" xmlns="" id="{30EA8575-F670-464D-ACCD-41EFEBF28D61}"/>
                 </a:ext>
               </a:extLst>
             </p:cNvPr>
@@ -11315,7 +11315,7 @@
             <p:cNvPr id="36" name="Picture 35">
               <a:extLst>
                 <a:ext uri="{FF2B5EF4-FFF2-40B4-BE49-F238E27FC236}">
-                  <a16:creationId xmlns:a16="http://schemas.microsoft.com/office/drawing/2014/main" id="{A9A83999-227A-F146-8EF1-40D9D1CD58A3}"/>
+                  <a16:creationId xmlns:a16="http://schemas.microsoft.com/office/drawing/2014/main" xmlns="" id="{A9A83999-227A-F146-8EF1-40D9D1CD58A3}"/>
                 </a:ext>
               </a:extLst>
             </p:cNvPr>
@@ -11350,7 +11350,7 @@
             <p:cNvPr id="42" name="Picture 41">
               <a:extLst>
                 <a:ext uri="{FF2B5EF4-FFF2-40B4-BE49-F238E27FC236}">
-                  <a16:creationId xmlns:a16="http://schemas.microsoft.com/office/drawing/2014/main" id="{15820970-8F4A-FC41-8D1F-C3FB6E3D3397}"/>
+                  <a16:creationId xmlns:a16="http://schemas.microsoft.com/office/drawing/2014/main" xmlns="" id="{15820970-8F4A-FC41-8D1F-C3FB6E3D3397}"/>
                 </a:ext>
               </a:extLst>
             </p:cNvPr>
@@ -11385,7 +11385,7 @@
             <p:cNvPr id="45" name="Picture 44">
               <a:extLst>
                 <a:ext uri="{FF2B5EF4-FFF2-40B4-BE49-F238E27FC236}">
-                  <a16:creationId xmlns:a16="http://schemas.microsoft.com/office/drawing/2014/main" id="{78ECC423-4907-1D4A-A73C-1190A7CCD5E8}"/>
+                  <a16:creationId xmlns:a16="http://schemas.microsoft.com/office/drawing/2014/main" xmlns="" id="{78ECC423-4907-1D4A-A73C-1190A7CCD5E8}"/>
                 </a:ext>
               </a:extLst>
             </p:cNvPr>
@@ -11420,7 +11420,7 @@
             <p:cNvPr id="46" name="Picture 45">
               <a:extLst>
                 <a:ext uri="{FF2B5EF4-FFF2-40B4-BE49-F238E27FC236}">
-                  <a16:creationId xmlns:a16="http://schemas.microsoft.com/office/drawing/2014/main" id="{2EBB2D6B-96D7-264C-94E0-93DDF45665B8}"/>
+                  <a16:creationId xmlns:a16="http://schemas.microsoft.com/office/drawing/2014/main" xmlns="" id="{2EBB2D6B-96D7-264C-94E0-93DDF45665B8}"/>
                 </a:ext>
               </a:extLst>
             </p:cNvPr>
@@ -11456,7 +11456,7 @@
           <p:cNvPr id="66" name="Rectangle 65">
             <a:extLst>
               <a:ext uri="{FF2B5EF4-FFF2-40B4-BE49-F238E27FC236}">
-                <a16:creationId xmlns:a16="http://schemas.microsoft.com/office/drawing/2014/main" id="{A27FBFFD-3DD0-E349-9760-A59FB48D9771}"/>
+                <a16:creationId xmlns:a16="http://schemas.microsoft.com/office/drawing/2014/main" xmlns="" id="{A27FBFFD-3DD0-E349-9760-A59FB48D9771}"/>
               </a:ext>
             </a:extLst>
           </p:cNvPr>
@@ -11494,7 +11494,7 @@
           <p:cNvPr id="67" name="Rectangle 66">
             <a:extLst>
               <a:ext uri="{FF2B5EF4-FFF2-40B4-BE49-F238E27FC236}">
-                <a16:creationId xmlns:a16="http://schemas.microsoft.com/office/drawing/2014/main" id="{9E332C26-B994-2842-ABE3-DD6EC9CF5FFA}"/>
+                <a16:creationId xmlns:a16="http://schemas.microsoft.com/office/drawing/2014/main" xmlns="" id="{9E332C26-B994-2842-ABE3-DD6EC9CF5FFA}"/>
               </a:ext>
             </a:extLst>
           </p:cNvPr>
@@ -11556,7 +11556,7 @@
           <p:cNvPr id="12" name="Rectangle 11">
             <a:extLst>
               <a:ext uri="{FF2B5EF4-FFF2-40B4-BE49-F238E27FC236}">
-                <a16:creationId xmlns:a16="http://schemas.microsoft.com/office/drawing/2014/main" id="{DBB734AA-53DC-6548-8311-B396D5A85FE0}"/>
+                <a16:creationId xmlns:a16="http://schemas.microsoft.com/office/drawing/2014/main" xmlns="" id="{DBB734AA-53DC-6548-8311-B396D5A85FE0}"/>
               </a:ext>
             </a:extLst>
           </p:cNvPr>
@@ -11642,7 +11642,7 @@
           <p:cNvPr id="35" name="Rectangle 34">
             <a:extLst>
               <a:ext uri="{FF2B5EF4-FFF2-40B4-BE49-F238E27FC236}">
-                <a16:creationId xmlns:a16="http://schemas.microsoft.com/office/drawing/2014/main" id="{E6D0DCB8-CE3A-7945-8749-BE2E33B0F6F4}"/>
+                <a16:creationId xmlns:a16="http://schemas.microsoft.com/office/drawing/2014/main" xmlns="" id="{E6D0DCB8-CE3A-7945-8749-BE2E33B0F6F4}"/>
               </a:ext>
             </a:extLst>
           </p:cNvPr>
@@ -11687,7 +11687,7 @@
           <a:lstStyle/>
           <a:p>
             <a:pPr algn="ctr"/>
-            <a:endParaRPr lang="en-NL"/>
+            <a:endParaRPr lang="x-none"/>
           </a:p>
         </p:txBody>
       </p:sp>
@@ -11696,7 +11696,7 @@
           <p:cNvPr id="5" name="Picture 4">
             <a:extLst>
               <a:ext uri="{FF2B5EF4-FFF2-40B4-BE49-F238E27FC236}">
-                <a16:creationId xmlns:a16="http://schemas.microsoft.com/office/drawing/2014/main" id="{407E697E-1037-BB4B-9A0C-22311E0ABBBE}"/>
+                <a16:creationId xmlns:a16="http://schemas.microsoft.com/office/drawing/2014/main" xmlns="" id="{407E697E-1037-BB4B-9A0C-22311E0ABBBE}"/>
               </a:ext>
             </a:extLst>
           </p:cNvPr>
@@ -11732,7 +11732,7 @@
           <p:cNvPr id="14" name="Rectangle 13">
             <a:extLst>
               <a:ext uri="{FF2B5EF4-FFF2-40B4-BE49-F238E27FC236}">
-                <a16:creationId xmlns:a16="http://schemas.microsoft.com/office/drawing/2014/main" id="{C47351DF-7D18-7F44-84AE-AEB603EE3C80}"/>
+                <a16:creationId xmlns:a16="http://schemas.microsoft.com/office/drawing/2014/main" xmlns="" id="{C47351DF-7D18-7F44-84AE-AEB603EE3C80}"/>
               </a:ext>
             </a:extLst>
           </p:cNvPr>
@@ -11761,7 +11761,7 @@
               </a:rPr>
               <a:t>Experimental Results on Human Labeled Dataset</a:t>
             </a:r>
-            <a:endParaRPr lang="en-NL" sz="2000" b="1" dirty="0">
+            <a:endParaRPr lang="x-none" sz="2000" b="1" dirty="0">
               <a:latin typeface="Times New Roman" panose="02020603050405020304" pitchFamily="18" charset="0"/>
               <a:cs typeface="Times New Roman" panose="02020603050405020304" pitchFamily="18" charset="0"/>
             </a:endParaRPr>
@@ -11773,7 +11773,7 @@
           <p:cNvPr id="20" name="Picture 19">
             <a:extLst>
               <a:ext uri="{FF2B5EF4-FFF2-40B4-BE49-F238E27FC236}">
-                <a16:creationId xmlns:a16="http://schemas.microsoft.com/office/drawing/2014/main" id="{EC22DE19-913B-B548-A217-672199693ACF}"/>
+                <a16:creationId xmlns:a16="http://schemas.microsoft.com/office/drawing/2014/main" xmlns="" id="{EC22DE19-913B-B548-A217-672199693ACF}"/>
               </a:ext>
             </a:extLst>
           </p:cNvPr>
@@ -11809,7 +11809,7 @@
           <p:cNvPr id="16" name="Rectangle 15">
             <a:extLst>
               <a:ext uri="{FF2B5EF4-FFF2-40B4-BE49-F238E27FC236}">
-                <a16:creationId xmlns:a16="http://schemas.microsoft.com/office/drawing/2014/main" id="{19E889D2-8EF7-5849-BF0A-1753284B1768}"/>
+                <a16:creationId xmlns:a16="http://schemas.microsoft.com/office/drawing/2014/main" xmlns="" id="{19E889D2-8EF7-5849-BF0A-1753284B1768}"/>
               </a:ext>
             </a:extLst>
           </p:cNvPr>
@@ -11850,7 +11850,7 @@
           <p:cNvPr id="22" name="矩形 11">
             <a:extLst>
               <a:ext uri="{FF2B5EF4-FFF2-40B4-BE49-F238E27FC236}">
-                <a16:creationId xmlns:a16="http://schemas.microsoft.com/office/drawing/2014/main" id="{E6F88D81-3CFC-A64C-B769-E1E370257B94}"/>
+                <a16:creationId xmlns:a16="http://schemas.microsoft.com/office/drawing/2014/main" xmlns="" id="{E6F88D81-3CFC-A64C-B769-E1E370257B94}"/>
               </a:ext>
             </a:extLst>
           </p:cNvPr>
@@ -11902,7 +11902,7 @@
           <p:cNvPr id="17" name="Rectangle 16">
             <a:extLst>
               <a:ext uri="{FF2B5EF4-FFF2-40B4-BE49-F238E27FC236}">
-                <a16:creationId xmlns:a16="http://schemas.microsoft.com/office/drawing/2014/main" id="{CAC4C7AB-7257-F441-B2A8-C25A876B4967}"/>
+                <a16:creationId xmlns:a16="http://schemas.microsoft.com/office/drawing/2014/main" xmlns="" id="{CAC4C7AB-7257-F441-B2A8-C25A876B4967}"/>
               </a:ext>
             </a:extLst>
           </p:cNvPr>
@@ -11943,7 +11943,7 @@
           <p:cNvPr id="18" name="Rectangle 17">
             <a:extLst>
               <a:ext uri="{FF2B5EF4-FFF2-40B4-BE49-F238E27FC236}">
-                <a16:creationId xmlns:a16="http://schemas.microsoft.com/office/drawing/2014/main" id="{BBCF8985-89D8-AF4B-997E-F1DC72372F27}"/>
+                <a16:creationId xmlns:a16="http://schemas.microsoft.com/office/drawing/2014/main" xmlns="" id="{BBCF8985-89D8-AF4B-997E-F1DC72372F27}"/>
               </a:ext>
             </a:extLst>
           </p:cNvPr>
@@ -11984,7 +11984,7 @@
           <p:cNvPr id="25" name="矩形 11">
             <a:extLst>
               <a:ext uri="{FF2B5EF4-FFF2-40B4-BE49-F238E27FC236}">
-                <a16:creationId xmlns:a16="http://schemas.microsoft.com/office/drawing/2014/main" id="{64F4520B-AE97-F044-B4B5-4B47A159D1E7}"/>
+                <a16:creationId xmlns:a16="http://schemas.microsoft.com/office/drawing/2014/main" xmlns="" id="{64F4520B-AE97-F044-B4B5-4B47A159D1E7}"/>
               </a:ext>
             </a:extLst>
           </p:cNvPr>
@@ -12036,7 +12036,7 @@
           <p:cNvPr id="26" name="矩形 11">
             <a:extLst>
               <a:ext uri="{FF2B5EF4-FFF2-40B4-BE49-F238E27FC236}">
-                <a16:creationId xmlns:a16="http://schemas.microsoft.com/office/drawing/2014/main" id="{E001B276-87F4-8B4C-9918-EB5F0F9F92FD}"/>
+                <a16:creationId xmlns:a16="http://schemas.microsoft.com/office/drawing/2014/main" xmlns="" id="{E001B276-87F4-8B4C-9918-EB5F0F9F92FD}"/>
               </a:ext>
             </a:extLst>
           </p:cNvPr>
@@ -12088,7 +12088,7 @@
           <p:cNvPr id="30" name="标题 1">
             <a:extLst>
               <a:ext uri="{FF2B5EF4-FFF2-40B4-BE49-F238E27FC236}">
-                <a16:creationId xmlns:a16="http://schemas.microsoft.com/office/drawing/2014/main" id="{D7F997B0-4BAF-7842-8D82-877CEC50AEAD}"/>
+                <a16:creationId xmlns:a16="http://schemas.microsoft.com/office/drawing/2014/main" xmlns="" id="{D7F997B0-4BAF-7842-8D82-877CEC50AEAD}"/>
               </a:ext>
             </a:extLst>
           </p:cNvPr>
